--- a/Yocto Practice_Release.pptx
+++ b/Yocto Practice_Release.pptx
@@ -5,7 +5,7 @@
     <p:sldMasterId id="2147483648" r:id="rId4"/>
   </p:sldMasterIdLst>
   <p:notesMasterIdLst>
-    <p:notesMasterId r:id="rId60"/>
+    <p:notesMasterId r:id="rId73"/>
   </p:notesMasterIdLst>
   <p:sldIdLst>
     <p:sldId id="256" r:id="rId5"/>
@@ -45,29 +45,42 @@
     <p:sldId id="292" r:id="rId39"/>
     <p:sldId id="294" r:id="rId40"/>
     <p:sldId id="316" r:id="rId41"/>
-    <p:sldId id="266" r:id="rId42"/>
-    <p:sldId id="310" r:id="rId43"/>
-    <p:sldId id="273" r:id="rId44"/>
-    <p:sldId id="312" r:id="rId45"/>
-    <p:sldId id="269" r:id="rId46"/>
-    <p:sldId id="306" r:id="rId47"/>
-    <p:sldId id="321" r:id="rId48"/>
-    <p:sldId id="320" r:id="rId49"/>
-    <p:sldId id="319" r:id="rId50"/>
-    <p:sldId id="309" r:id="rId51"/>
-    <p:sldId id="284" r:id="rId52"/>
-    <p:sldId id="291" r:id="rId53"/>
-    <p:sldId id="283" r:id="rId54"/>
-    <p:sldId id="286" r:id="rId55"/>
-    <p:sldId id="287" r:id="rId56"/>
-    <p:sldId id="285" r:id="rId57"/>
-    <p:sldId id="289" r:id="rId58"/>
-    <p:sldId id="298" r:id="rId59"/>
+    <p:sldId id="332" r:id="rId42"/>
+    <p:sldId id="266" r:id="rId43"/>
+    <p:sldId id="310" r:id="rId44"/>
+    <p:sldId id="273" r:id="rId45"/>
+    <p:sldId id="312" r:id="rId46"/>
+    <p:sldId id="269" r:id="rId47"/>
+    <p:sldId id="306" r:id="rId48"/>
+    <p:sldId id="321" r:id="rId49"/>
+    <p:sldId id="320" r:id="rId50"/>
+    <p:sldId id="325" r:id="rId51"/>
+    <p:sldId id="319" r:id="rId52"/>
+    <p:sldId id="309" r:id="rId53"/>
+    <p:sldId id="284" r:id="rId54"/>
+    <p:sldId id="291" r:id="rId55"/>
+    <p:sldId id="283" r:id="rId56"/>
+    <p:sldId id="286" r:id="rId57"/>
+    <p:sldId id="287" r:id="rId58"/>
+    <p:sldId id="285" r:id="rId59"/>
+    <p:sldId id="289" r:id="rId60"/>
+    <p:sldId id="298" r:id="rId61"/>
+    <p:sldId id="323" r:id="rId62"/>
+    <p:sldId id="326" r:id="rId63"/>
+    <p:sldId id="324" r:id="rId64"/>
+    <p:sldId id="328" r:id="rId65"/>
+    <p:sldId id="330" r:id="rId66"/>
+    <p:sldId id="329" r:id="rId67"/>
+    <p:sldId id="331" r:id="rId68"/>
+    <p:sldId id="333" r:id="rId69"/>
+    <p:sldId id="334" r:id="rId70"/>
+    <p:sldId id="335" r:id="rId71"/>
+    <p:sldId id="327" r:id="rId72"/>
   </p:sldIdLst>
   <p:sldSz cx="12192000" cy="6858000"/>
   <p:notesSz cx="6858000" cy="9144000"/>
   <p:custDataLst>
-    <p:tags r:id="rId61"/>
+    <p:tags r:id="rId74"/>
   </p:custDataLst>
   <p:defaultTextStyle>
     <a:defPPr>
@@ -469,7 +482,7 @@
             <a:fld id="{6D982256-A32E-4645-8F4C-93CBCC213960}" type="datetimeFigureOut">
               <a:rPr lang="he-IL" altLang="he-IL"/>
               <a:pPr/>
-              <a:t>כ"ה/תמוז/תשפ"ד</a:t>
+              <a:t>ד'/אב/תשפ"ד</a:t>
             </a:fld>
             <a:endParaRPr lang="he-IL" altLang="he-IL"/>
           </a:p>
@@ -1381,7 +1394,7 @@
             <a:fld id="{EE419522-384A-46E1-93FD-C82047C52D3A}" type="slidenum">
               <a:rPr lang="he-IL" altLang="he-IL"/>
               <a:pPr/>
-              <a:t>38</a:t>
+              <a:t>39</a:t>
             </a:fld>
             <a:endParaRPr lang="he-IL" altLang="he-IL"/>
           </a:p>
@@ -3354,7 +3367,7 @@
               <a:pPr>
                 <a:defRPr/>
               </a:pPr>
-              <a:t>כ"ה/תמוז/תשפ"ד</a:t>
+              <a:t>ד'/אב/תשפ"ד</a:t>
             </a:fld>
             <a:endParaRPr/>
           </a:p>
@@ -6160,6 +6173,16 @@
               <a:t>It reads metadata and executes tasks defined in those files to build software packages and create images.</a:t>
             </a:r>
           </a:p>
+          <a:p>
+            <a:r>
+              <a:rPr lang="en-US" altLang="en-US" sz="2000" dirty="0">
+                <a:highlight>
+                  <a:srgbClr val="FFFF00"/>
+                </a:highlight>
+              </a:rPr>
+              <a:t>TODO: Add clean commands</a:t>
+            </a:r>
+          </a:p>
         </p:txBody>
       </p:sp>
       <p:pic>
@@ -6191,8 +6214,8 @@
         </p:blipFill>
         <p:spPr bwMode="auto">
           <a:xfrm>
-            <a:off x="983432" y="2636912"/>
-            <a:ext cx="5540375" cy="3200400"/>
+            <a:off x="7968208" y="4326991"/>
+            <a:ext cx="4100215" cy="2368491"/>
           </a:xfrm>
           <a:prstGeom prst="rect">
             <a:avLst/>
@@ -8203,6 +8226,16 @@
             <a:r>
               <a:rPr lang="en-US" sz="2000" dirty="0" err="1"/>
               <a:t>local.conf</a:t>
+            </a:r>
+            <a:endParaRPr lang="en-US" sz="2000" dirty="0"/>
+          </a:p>
+          <a:p>
+            <a:pPr lvl="1">
+              <a:defRPr/>
+            </a:pPr>
+            <a:r>
+              <a:rPr lang="en-US" sz="2000" dirty="0"/>
+              <a:t>Add : BB_CHECK_SSL_CERTS = “0”</a:t>
             </a:r>
             <a:endParaRPr sz="2000" dirty="0"/>
           </a:p>
@@ -12397,6 +12430,93 @@
             <a:endParaRPr lang="en-US" dirty="0"/>
           </a:p>
           <a:p>
+            <a:pPr>
+              <a:defRPr/>
+            </a:pPr>
+            <a:r>
+              <a:rPr lang="en-US" sz="2000" dirty="0"/>
+              <a:t>List of all the variable and documentation of </a:t>
+            </a:r>
+            <a:r>
+              <a:rPr lang="en-US" sz="2000" dirty="0" err="1"/>
+              <a:t>Yocto</a:t>
+            </a:r>
+            <a:r>
+              <a:rPr lang="en-US" sz="2000" dirty="0"/>
+              <a:t> here:</a:t>
+            </a:r>
+          </a:p>
+          <a:p>
+            <a:pPr lvl="1">
+              <a:defRPr/>
+            </a:pPr>
+            <a:r>
+              <a:rPr lang="en-US" sz="1600" dirty="0"/>
+              <a:t>Cat ~/poky/meta/conf/</a:t>
+            </a:r>
+            <a:r>
+              <a:rPr lang="en-US" sz="1600" dirty="0" err="1"/>
+              <a:t>documentation.conf</a:t>
+            </a:r>
+            <a:r>
+              <a:rPr lang="en-US" sz="1600" dirty="0"/>
+              <a:t> | grep &lt;</a:t>
+            </a:r>
+            <a:r>
+              <a:rPr lang="en-US" sz="1600" dirty="0" err="1"/>
+              <a:t>var_name</a:t>
+            </a:r>
+            <a:r>
+              <a:rPr lang="en-US" sz="1600" dirty="0"/>
+              <a:t>&gt;</a:t>
+            </a:r>
+          </a:p>
+          <a:p>
+            <a:pPr lvl="1">
+              <a:defRPr/>
+            </a:pPr>
+            <a:r>
+              <a:rPr lang="en-US" sz="1600" dirty="0"/>
+              <a:t>Firefox ./documentation/ref-manual/</a:t>
+            </a:r>
+            <a:r>
+              <a:rPr lang="en-US" sz="1600" dirty="0" err="1"/>
+              <a:t>variables.rst</a:t>
+            </a:r>
+            <a:endParaRPr lang="en-US" sz="1600" dirty="0"/>
+          </a:p>
+          <a:p>
+            <a:pPr lvl="1">
+              <a:defRPr/>
+            </a:pPr>
+            <a:r>
+              <a:rPr lang="en-US" sz="1600" dirty="0">
+                <a:hlinkClick r:id="rId2"/>
+              </a:rPr>
+              <a:t>12 Variables Glossary — The </a:t>
+            </a:r>
+            <a:r>
+              <a:rPr lang="en-US" sz="1600" dirty="0" err="1">
+                <a:hlinkClick r:id="rId2"/>
+              </a:rPr>
+              <a:t>Yocto</a:t>
+            </a:r>
+            <a:r>
+              <a:rPr lang="en-US" sz="1600" dirty="0">
+                <a:hlinkClick r:id="rId2"/>
+              </a:rPr>
+              <a:t> Project ® 5.0.999 documentation</a:t>
+            </a:r>
+            <a:endParaRPr lang="en-US" sz="1600" dirty="0"/>
+          </a:p>
+          <a:p>
+            <a:pPr marL="914400" lvl="2" indent="0">
+              <a:buNone/>
+              <a:defRPr/>
+            </a:pPr>
+            <a:endParaRPr lang="en-US" dirty="0"/>
+          </a:p>
+          <a:p>
             <a:pPr lvl="2">
               <a:defRPr/>
             </a:pPr>
@@ -12446,6 +12566,150 @@
 </file>
 
 <file path=ppt/slides/slide38.xml><?xml version="1.0" encoding="utf-8"?>
+<p:sld xmlns:a="http://schemas.openxmlformats.org/drawingml/2006/main" xmlns:r="http://schemas.openxmlformats.org/officeDocument/2006/relationships" xmlns:p="http://schemas.openxmlformats.org/presentationml/2006/main">
+  <p:cSld>
+    <p:spTree>
+      <p:nvGrpSpPr>
+        <p:cNvPr id="1" name=""/>
+        <p:cNvGrpSpPr/>
+        <p:nvPr/>
+      </p:nvGrpSpPr>
+      <p:grpSpPr>
+        <a:xfrm>
+          <a:off x="0" y="0"/>
+          <a:ext cx="0" cy="0"/>
+          <a:chOff x="0" y="0"/>
+          <a:chExt cx="0" cy="0"/>
+        </a:xfrm>
+      </p:grpSpPr>
+      <p:sp>
+        <p:nvSpPr>
+          <p:cNvPr id="2" name="Title 1">
+            <a:extLst>
+              <a:ext uri="{FF2B5EF4-FFF2-40B4-BE49-F238E27FC236}">
+                <a16:creationId xmlns:a16="http://schemas.microsoft.com/office/drawing/2014/main" id="{80923131-85BA-002D-7A7A-D085EFF0AA18}"/>
+              </a:ext>
+            </a:extLst>
+          </p:cNvPr>
+          <p:cNvSpPr>
+            <a:spLocks noGrp="1"/>
+          </p:cNvSpPr>
+          <p:nvPr>
+            <p:ph type="title"/>
+          </p:nvPr>
+        </p:nvSpPr>
+        <p:spPr/>
+        <p:txBody>
+          <a:bodyPr/>
+          <a:lstStyle/>
+          <a:p>
+            <a:r>
+              <a:rPr lang="en-US" dirty="0"/>
+              <a:t>License recipes</a:t>
+            </a:r>
+            <a:endParaRPr lang="he-IL" dirty="0"/>
+          </a:p>
+        </p:txBody>
+      </p:sp>
+      <p:sp>
+        <p:nvSpPr>
+          <p:cNvPr id="3" name="Content Placeholder 2">
+            <a:extLst>
+              <a:ext uri="{FF2B5EF4-FFF2-40B4-BE49-F238E27FC236}">
+                <a16:creationId xmlns:a16="http://schemas.microsoft.com/office/drawing/2014/main" id="{41D489F5-53C0-8FBC-9D2C-4645361DFBC9}"/>
+              </a:ext>
+            </a:extLst>
+          </p:cNvPr>
+          <p:cNvSpPr>
+            <a:spLocks noGrp="1"/>
+          </p:cNvSpPr>
+          <p:nvPr>
+            <p:ph idx="1"/>
+          </p:nvPr>
+        </p:nvSpPr>
+        <p:spPr/>
+        <p:txBody>
+          <a:bodyPr/>
+          <a:lstStyle/>
+          <a:p>
+            <a:r>
+              <a:rPr lang="en-US" dirty="0"/>
+              <a:t>List of </a:t>
+            </a:r>
+            <a:r>
+              <a:rPr lang="en-US" dirty="0" err="1"/>
+              <a:t>licences</a:t>
+            </a:r>
+            <a:r>
+              <a:rPr lang="en-US" dirty="0"/>
+              <a:t> ./meta/files/common-licenses</a:t>
+            </a:r>
+          </a:p>
+          <a:p>
+            <a:r>
+              <a:rPr lang="en-US" dirty="0"/>
+              <a:t>Use license MIT </a:t>
+            </a:r>
+          </a:p>
+          <a:p>
+            <a:endParaRPr lang="en-US" dirty="0"/>
+          </a:p>
+          <a:p>
+            <a:endParaRPr lang="en-US" dirty="0"/>
+          </a:p>
+          <a:p>
+            <a:r>
+              <a:rPr lang="en-US" dirty="0"/>
+              <a:t>Calculate of checksum by : md5sum</a:t>
+            </a:r>
+          </a:p>
+        </p:txBody>
+      </p:sp>
+      <p:pic>
+        <p:nvPicPr>
+          <p:cNvPr id="5" name="Picture 4">
+            <a:extLst>
+              <a:ext uri="{FF2B5EF4-FFF2-40B4-BE49-F238E27FC236}">
+                <a16:creationId xmlns:a16="http://schemas.microsoft.com/office/drawing/2014/main" id="{DCAFB935-7FB8-41A6-3DC8-BB17CAB88C14}"/>
+              </a:ext>
+            </a:extLst>
+          </p:cNvPr>
+          <p:cNvPicPr>
+            <a:picLocks noChangeAspect="1"/>
+          </p:cNvPicPr>
+          <p:nvPr/>
+        </p:nvPicPr>
+        <p:blipFill>
+          <a:blip r:embed="rId2"/>
+          <a:stretch>
+            <a:fillRect/>
+          </a:stretch>
+        </p:blipFill>
+        <p:spPr>
+          <a:xfrm>
+            <a:off x="1127448" y="2807291"/>
+            <a:ext cx="8858250" cy="600075"/>
+          </a:xfrm>
+          <a:prstGeom prst="rect">
+            <a:avLst/>
+          </a:prstGeom>
+        </p:spPr>
+      </p:pic>
+    </p:spTree>
+    <p:extLst>
+      <p:ext uri="{BB962C8B-B14F-4D97-AF65-F5344CB8AC3E}">
+        <p14:creationId xmlns:p14="http://schemas.microsoft.com/office/powerpoint/2010/main" val="3573723140"/>
+      </p:ext>
+    </p:extLst>
+  </p:cSld>
+  <p:clrMapOvr>
+    <a:masterClrMapping/>
+  </p:clrMapOvr>
+  <p:transition/>
+</p:sld>
+</file>
+
+<file path=ppt/slides/slide39.xml><?xml version="1.0" encoding="utf-8"?>
 <p:sld xmlns:a="http://schemas.openxmlformats.org/drawingml/2006/main" xmlns:r="http://schemas.openxmlformats.org/officeDocument/2006/relationships" xmlns:p="http://schemas.openxmlformats.org/presentationml/2006/main">
   <p:cSld>
     <p:spTree>
@@ -12666,312 +12930,6 @@
         </p:spPr>
       </p:pic>
     </p:spTree>
-  </p:cSld>
-  <p:clrMapOvr>
-    <a:masterClrMapping/>
-  </p:clrMapOvr>
-  <p:transition/>
-</p:sld>
-</file>
-
-<file path=ppt/slides/slide39.xml><?xml version="1.0" encoding="utf-8"?>
-<p:sld xmlns:a="http://schemas.openxmlformats.org/drawingml/2006/main" xmlns:r="http://schemas.openxmlformats.org/officeDocument/2006/relationships" xmlns:p="http://schemas.openxmlformats.org/presentationml/2006/main">
-  <p:cSld>
-    <p:spTree>
-      <p:nvGrpSpPr>
-        <p:cNvPr id="1" name=""/>
-        <p:cNvGrpSpPr/>
-        <p:nvPr/>
-      </p:nvGrpSpPr>
-      <p:grpSpPr>
-        <a:xfrm>
-          <a:off x="0" y="0"/>
-          <a:ext cx="0" cy="0"/>
-          <a:chOff x="0" y="0"/>
-          <a:chExt cx="0" cy="0"/>
-        </a:xfrm>
-      </p:grpSpPr>
-      <p:sp>
-        <p:nvSpPr>
-          <p:cNvPr id="2" name="Title 1">
-            <a:extLst>
-              <a:ext uri="{FF2B5EF4-FFF2-40B4-BE49-F238E27FC236}">
-                <a16:creationId xmlns:a16="http://schemas.microsoft.com/office/drawing/2014/main" id="{FBE0EC6B-700F-0CDB-D627-2C7E24DDF48C}"/>
-              </a:ext>
-            </a:extLst>
-          </p:cNvPr>
-          <p:cNvSpPr>
-            <a:spLocks noGrp="1"/>
-          </p:cNvSpPr>
-          <p:nvPr>
-            <p:ph type="title"/>
-          </p:nvPr>
-        </p:nvSpPr>
-        <p:spPr>
-          <a:xfrm>
-            <a:off x="872575" y="332656"/>
-            <a:ext cx="10515600" cy="1037531"/>
-          </a:xfrm>
-        </p:spPr>
-        <p:txBody>
-          <a:bodyPr/>
-          <a:lstStyle/>
-          <a:p>
-            <a:r>
-              <a:rPr lang="en-US" altLang="en-US" dirty="0"/>
-              <a:t>Append files - </a:t>
-            </a:r>
-            <a:r>
-              <a:rPr lang="en-US" altLang="en-US" dirty="0" err="1"/>
-              <a:t>busybox</a:t>
-            </a:r>
-            <a:endParaRPr lang="he-IL" dirty="0"/>
-          </a:p>
-        </p:txBody>
-      </p:sp>
-      <p:sp>
-        <p:nvSpPr>
-          <p:cNvPr id="3" name="Content Placeholder 2">
-            <a:extLst>
-              <a:ext uri="{FF2B5EF4-FFF2-40B4-BE49-F238E27FC236}">
-                <a16:creationId xmlns:a16="http://schemas.microsoft.com/office/drawing/2014/main" id="{A8839521-A476-998D-80F6-71AB4DEC3DE7}"/>
-              </a:ext>
-            </a:extLst>
-          </p:cNvPr>
-          <p:cNvSpPr>
-            <a:spLocks noGrp="1"/>
-          </p:cNvSpPr>
-          <p:nvPr>
-            <p:ph idx="1"/>
-          </p:nvPr>
-        </p:nvSpPr>
-        <p:spPr>
-          <a:xfrm>
-            <a:off x="838200" y="1628800"/>
-            <a:ext cx="10515600" cy="5040560"/>
-          </a:xfrm>
-        </p:spPr>
-        <p:txBody>
-          <a:bodyPr/>
-          <a:lstStyle/>
-          <a:p>
-            <a:r>
-              <a:rPr lang="en-US" sz="2000" dirty="0" err="1"/>
-              <a:t>Busybox</a:t>
-            </a:r>
-            <a:r>
-              <a:rPr lang="en-US" sz="2000" dirty="0"/>
-              <a:t> is commonly used to provide a </a:t>
-            </a:r>
-            <a:r>
-              <a:rPr lang="en-US" sz="2000" dirty="0" err="1"/>
-              <a:t>lighweight</a:t>
-            </a:r>
-            <a:r>
-              <a:rPr lang="en-US" sz="2000" dirty="0"/>
-              <a:t> set of Unix utilities.</a:t>
-            </a:r>
-          </a:p>
-          <a:p>
-            <a:r>
-              <a:rPr lang="en-US" sz="2000" dirty="0"/>
-              <a:t>Link to busy box example configuration utilities </a:t>
-            </a:r>
-          </a:p>
-          <a:p>
-            <a:pPr lvl="1"/>
-            <a:r>
-              <a:rPr lang="en-US" sz="1000" dirty="0">
-                <a:hlinkClick r:id="rId2"/>
-              </a:rPr>
-              <a:t>poky/meta/recipes-core/</a:t>
-            </a:r>
-            <a:r>
-              <a:rPr lang="en-US" sz="1000" dirty="0" err="1">
-                <a:hlinkClick r:id="rId2"/>
-              </a:rPr>
-              <a:t>busybox</a:t>
-            </a:r>
-            <a:r>
-              <a:rPr lang="en-US" sz="1000" dirty="0">
-                <a:hlinkClick r:id="rId2"/>
-              </a:rPr>
-              <a:t>/</a:t>
-            </a:r>
-            <a:r>
-              <a:rPr lang="en-US" sz="1000" dirty="0" err="1">
-                <a:hlinkClick r:id="rId2"/>
-              </a:rPr>
-              <a:t>busybox</a:t>
-            </a:r>
-            <a:r>
-              <a:rPr lang="en-US" sz="1000" dirty="0">
-                <a:hlinkClick r:id="rId2"/>
-              </a:rPr>
-              <a:t> at master · CESARBR/poky (github.com)</a:t>
-            </a:r>
-            <a:endParaRPr lang="en-US" sz="1600" dirty="0"/>
-          </a:p>
-          <a:p>
-            <a:r>
-              <a:rPr lang="en-US" sz="2000" dirty="0"/>
-              <a:t>Show on terminal how to  modify </a:t>
-            </a:r>
-            <a:r>
-              <a:rPr lang="en-US" sz="2000" dirty="0" err="1"/>
-              <a:t>busybox</a:t>
-            </a:r>
-            <a:r>
-              <a:rPr lang="en-US" sz="2000" dirty="0"/>
-              <a:t> configuration by used of append files</a:t>
-            </a:r>
-          </a:p>
-          <a:p>
-            <a:pPr lvl="1"/>
-            <a:r>
-              <a:rPr lang="en-US" sz="1800" dirty="0"/>
-              <a:t>List of configuration : poky/meta-poky/recipes-core/</a:t>
-            </a:r>
-            <a:r>
-              <a:rPr lang="en-US" sz="1800" dirty="0" err="1"/>
-              <a:t>busybox</a:t>
-            </a:r>
-            <a:r>
-              <a:rPr lang="en-US" sz="1800" dirty="0"/>
-              <a:t>/</a:t>
-            </a:r>
-            <a:r>
-              <a:rPr lang="en-US" sz="1800" dirty="0" err="1"/>
-              <a:t>busybox</a:t>
-            </a:r>
-            <a:r>
-              <a:rPr lang="en-US" sz="1800" dirty="0"/>
-              <a:t>/poky-tiny/</a:t>
-            </a:r>
-            <a:r>
-              <a:rPr lang="en-US" sz="1800" dirty="0" err="1"/>
-              <a:t>defconfig</a:t>
-            </a:r>
-            <a:endParaRPr lang="en-US" sz="1800" dirty="0"/>
-          </a:p>
-          <a:p>
-            <a:pPr lvl="1"/>
-            <a:r>
-              <a:rPr lang="en-US" sz="1800" dirty="0"/>
-              <a:t>Copy from poky/meta-skeleton/recipes-core/</a:t>
-            </a:r>
-            <a:r>
-              <a:rPr lang="en-US" sz="1800" dirty="0" err="1"/>
-              <a:t>busybox</a:t>
-            </a:r>
-            <a:r>
-              <a:rPr lang="en-US" sz="1800" dirty="0"/>
-              <a:t> to our layer meta-student/recipes-core</a:t>
-            </a:r>
-          </a:p>
-          <a:p>
-            <a:pPr lvl="1"/>
-            <a:r>
-              <a:rPr lang="en-US" sz="1800" dirty="0"/>
-              <a:t>Copy </a:t>
-            </a:r>
-            <a:r>
-              <a:rPr lang="en-US" sz="1800" dirty="0" err="1"/>
-              <a:t>devmem</a:t>
-            </a:r>
-            <a:r>
-              <a:rPr lang="en-US" sz="1800" dirty="0"/>
-              <a:t> configuration from </a:t>
-            </a:r>
-            <a:r>
-              <a:rPr lang="en-US" sz="1800" dirty="0" err="1"/>
-              <a:t>defconfig</a:t>
-            </a:r>
-            <a:r>
-              <a:rPr lang="en-US" sz="1800" dirty="0"/>
-              <a:t> and create fragment in the </a:t>
-            </a:r>
-            <a:r>
-              <a:rPr lang="en-US" sz="1800" dirty="0" err="1"/>
-              <a:t>busybox</a:t>
-            </a:r>
-            <a:r>
-              <a:rPr lang="en-US" sz="1800" dirty="0"/>
-              <a:t>/</a:t>
-            </a:r>
-            <a:r>
-              <a:rPr lang="en-US" sz="1800" dirty="0" err="1"/>
-              <a:t>busybox</a:t>
-            </a:r>
-            <a:r>
-              <a:rPr lang="en-US" sz="1800" dirty="0"/>
-              <a:t> folder .  (CONFIG_DEVMEM=y) </a:t>
-            </a:r>
-            <a:r>
-              <a:rPr lang="en-US" sz="1800" dirty="0" err="1"/>
-              <a:t>enable_devmem.cfg</a:t>
-            </a:r>
-            <a:endParaRPr lang="en-US" sz="1800" dirty="0"/>
-          </a:p>
-          <a:p>
-            <a:pPr lvl="1"/>
-            <a:r>
-              <a:rPr lang="en-US" sz="1800" dirty="0"/>
-              <a:t>Add the fragment name file to append file </a:t>
-            </a:r>
-          </a:p>
-          <a:p>
-            <a:r>
-              <a:rPr lang="en-US" sz="2000" dirty="0"/>
-              <a:t>Command display all the appends</a:t>
-            </a:r>
-          </a:p>
-          <a:p>
-            <a:pPr lvl="1"/>
-            <a:r>
-              <a:rPr lang="en-US" sz="1800" dirty="0" err="1"/>
-              <a:t>Bitbake</a:t>
-            </a:r>
-            <a:r>
-              <a:rPr lang="en-US" sz="1800" dirty="0"/>
-              <a:t>-layers show-appends</a:t>
-            </a:r>
-          </a:p>
-          <a:p>
-            <a:pPr lvl="1"/>
-            <a:r>
-              <a:rPr lang="en-US" sz="1800" dirty="0"/>
-              <a:t>Show priority layer :  </a:t>
-            </a:r>
-            <a:r>
-              <a:rPr lang="en-US" sz="1800" dirty="0" err="1"/>
-              <a:t>bitbake</a:t>
-            </a:r>
-            <a:r>
-              <a:rPr lang="en-US" sz="1800" dirty="0"/>
-              <a:t>-layers show-layers</a:t>
-            </a:r>
-          </a:p>
-          <a:p>
-            <a:pPr lvl="1"/>
-            <a:endParaRPr lang="en-US" dirty="0"/>
-          </a:p>
-          <a:p>
-            <a:pPr lvl="1"/>
-            <a:endParaRPr lang="en-US" dirty="0"/>
-          </a:p>
-          <a:p>
-            <a:pPr lvl="1"/>
-            <a:endParaRPr lang="en-US" dirty="0"/>
-          </a:p>
-        </p:txBody>
-      </p:sp>
-    </p:spTree>
-    <p:extLst>
-      <p:ext uri="{BB962C8B-B14F-4D97-AF65-F5344CB8AC3E}">
-        <p14:creationId xmlns:p14="http://schemas.microsoft.com/office/powerpoint/2010/main" val="1844065309"/>
-      </p:ext>
-    </p:extLst>
   </p:cSld>
   <p:clrMapOvr>
     <a:masterClrMapping/>
@@ -13166,6 +13124,312 @@
       </p:grpSpPr>
       <p:sp>
         <p:nvSpPr>
+          <p:cNvPr id="2" name="Title 1">
+            <a:extLst>
+              <a:ext uri="{FF2B5EF4-FFF2-40B4-BE49-F238E27FC236}">
+                <a16:creationId xmlns:a16="http://schemas.microsoft.com/office/drawing/2014/main" id="{FBE0EC6B-700F-0CDB-D627-2C7E24DDF48C}"/>
+              </a:ext>
+            </a:extLst>
+          </p:cNvPr>
+          <p:cNvSpPr>
+            <a:spLocks noGrp="1"/>
+          </p:cNvSpPr>
+          <p:nvPr>
+            <p:ph type="title"/>
+          </p:nvPr>
+        </p:nvSpPr>
+        <p:spPr>
+          <a:xfrm>
+            <a:off x="872575" y="332656"/>
+            <a:ext cx="10515600" cy="1037531"/>
+          </a:xfrm>
+        </p:spPr>
+        <p:txBody>
+          <a:bodyPr/>
+          <a:lstStyle/>
+          <a:p>
+            <a:r>
+              <a:rPr lang="en-US" altLang="en-US" dirty="0"/>
+              <a:t>Append files - </a:t>
+            </a:r>
+            <a:r>
+              <a:rPr lang="en-US" altLang="en-US" dirty="0" err="1"/>
+              <a:t>busybox</a:t>
+            </a:r>
+            <a:endParaRPr lang="he-IL" dirty="0"/>
+          </a:p>
+        </p:txBody>
+      </p:sp>
+      <p:sp>
+        <p:nvSpPr>
+          <p:cNvPr id="3" name="Content Placeholder 2">
+            <a:extLst>
+              <a:ext uri="{FF2B5EF4-FFF2-40B4-BE49-F238E27FC236}">
+                <a16:creationId xmlns:a16="http://schemas.microsoft.com/office/drawing/2014/main" id="{A8839521-A476-998D-80F6-71AB4DEC3DE7}"/>
+              </a:ext>
+            </a:extLst>
+          </p:cNvPr>
+          <p:cNvSpPr>
+            <a:spLocks noGrp="1"/>
+          </p:cNvSpPr>
+          <p:nvPr>
+            <p:ph idx="1"/>
+          </p:nvPr>
+        </p:nvSpPr>
+        <p:spPr>
+          <a:xfrm>
+            <a:off x="838200" y="1628800"/>
+            <a:ext cx="10515600" cy="5040560"/>
+          </a:xfrm>
+        </p:spPr>
+        <p:txBody>
+          <a:bodyPr/>
+          <a:lstStyle/>
+          <a:p>
+            <a:r>
+              <a:rPr lang="en-US" sz="2000" dirty="0" err="1"/>
+              <a:t>Busybox</a:t>
+            </a:r>
+            <a:r>
+              <a:rPr lang="en-US" sz="2000" dirty="0"/>
+              <a:t> is commonly used to provide a </a:t>
+            </a:r>
+            <a:r>
+              <a:rPr lang="en-US" sz="2000" dirty="0" err="1"/>
+              <a:t>lighweight</a:t>
+            </a:r>
+            <a:r>
+              <a:rPr lang="en-US" sz="2000" dirty="0"/>
+              <a:t> set of Unix utilities.</a:t>
+            </a:r>
+          </a:p>
+          <a:p>
+            <a:r>
+              <a:rPr lang="en-US" sz="2000" dirty="0"/>
+              <a:t>Link to busy box example configuration utilities </a:t>
+            </a:r>
+          </a:p>
+          <a:p>
+            <a:pPr lvl="1"/>
+            <a:r>
+              <a:rPr lang="en-US" sz="1000" dirty="0">
+                <a:hlinkClick r:id="rId2"/>
+              </a:rPr>
+              <a:t>poky/meta/recipes-core/</a:t>
+            </a:r>
+            <a:r>
+              <a:rPr lang="en-US" sz="1000" dirty="0" err="1">
+                <a:hlinkClick r:id="rId2"/>
+              </a:rPr>
+              <a:t>busybox</a:t>
+            </a:r>
+            <a:r>
+              <a:rPr lang="en-US" sz="1000" dirty="0">
+                <a:hlinkClick r:id="rId2"/>
+              </a:rPr>
+              <a:t>/</a:t>
+            </a:r>
+            <a:r>
+              <a:rPr lang="en-US" sz="1000" dirty="0" err="1">
+                <a:hlinkClick r:id="rId2"/>
+              </a:rPr>
+              <a:t>busybox</a:t>
+            </a:r>
+            <a:r>
+              <a:rPr lang="en-US" sz="1000" dirty="0">
+                <a:hlinkClick r:id="rId2"/>
+              </a:rPr>
+              <a:t> at master · CESARBR/poky (github.com)</a:t>
+            </a:r>
+            <a:endParaRPr lang="en-US" sz="1600" dirty="0"/>
+          </a:p>
+          <a:p>
+            <a:r>
+              <a:rPr lang="en-US" sz="2000" dirty="0"/>
+              <a:t>Show on terminal how to  modify </a:t>
+            </a:r>
+            <a:r>
+              <a:rPr lang="en-US" sz="2000" dirty="0" err="1"/>
+              <a:t>busybox</a:t>
+            </a:r>
+            <a:r>
+              <a:rPr lang="en-US" sz="2000" dirty="0"/>
+              <a:t> configuration by used of append files</a:t>
+            </a:r>
+          </a:p>
+          <a:p>
+            <a:pPr lvl="1"/>
+            <a:r>
+              <a:rPr lang="en-US" sz="1800" dirty="0"/>
+              <a:t>List of configuration : poky/meta-poky/recipes-core/</a:t>
+            </a:r>
+            <a:r>
+              <a:rPr lang="en-US" sz="1800" dirty="0" err="1"/>
+              <a:t>busybox</a:t>
+            </a:r>
+            <a:r>
+              <a:rPr lang="en-US" sz="1800" dirty="0"/>
+              <a:t>/</a:t>
+            </a:r>
+            <a:r>
+              <a:rPr lang="en-US" sz="1800" dirty="0" err="1"/>
+              <a:t>busybox</a:t>
+            </a:r>
+            <a:r>
+              <a:rPr lang="en-US" sz="1800" dirty="0"/>
+              <a:t>/poky-tiny/</a:t>
+            </a:r>
+            <a:r>
+              <a:rPr lang="en-US" sz="1800" dirty="0" err="1"/>
+              <a:t>defconfig</a:t>
+            </a:r>
+            <a:endParaRPr lang="en-US" sz="1800" dirty="0"/>
+          </a:p>
+          <a:p>
+            <a:pPr lvl="1"/>
+            <a:r>
+              <a:rPr lang="en-US" sz="1800" dirty="0"/>
+              <a:t>Copy from poky/meta-skeleton/recipes-core/</a:t>
+            </a:r>
+            <a:r>
+              <a:rPr lang="en-US" sz="1800" dirty="0" err="1"/>
+              <a:t>busybox</a:t>
+            </a:r>
+            <a:r>
+              <a:rPr lang="en-US" sz="1800" dirty="0"/>
+              <a:t> to our layer meta-student/recipes-core</a:t>
+            </a:r>
+          </a:p>
+          <a:p>
+            <a:pPr lvl="1"/>
+            <a:r>
+              <a:rPr lang="en-US" sz="1800" dirty="0"/>
+              <a:t>Copy </a:t>
+            </a:r>
+            <a:r>
+              <a:rPr lang="en-US" sz="1800" dirty="0" err="1"/>
+              <a:t>devmem</a:t>
+            </a:r>
+            <a:r>
+              <a:rPr lang="en-US" sz="1800" dirty="0"/>
+              <a:t> configuration from </a:t>
+            </a:r>
+            <a:r>
+              <a:rPr lang="en-US" sz="1800" dirty="0" err="1"/>
+              <a:t>defconfig</a:t>
+            </a:r>
+            <a:r>
+              <a:rPr lang="en-US" sz="1800" dirty="0"/>
+              <a:t> and create fragment in the </a:t>
+            </a:r>
+            <a:r>
+              <a:rPr lang="en-US" sz="1800" dirty="0" err="1"/>
+              <a:t>busybox</a:t>
+            </a:r>
+            <a:r>
+              <a:rPr lang="en-US" sz="1800" dirty="0"/>
+              <a:t>/</a:t>
+            </a:r>
+            <a:r>
+              <a:rPr lang="en-US" sz="1800" dirty="0" err="1"/>
+              <a:t>busybox</a:t>
+            </a:r>
+            <a:r>
+              <a:rPr lang="en-US" sz="1800" dirty="0"/>
+              <a:t> folder .  (CONFIG_DEVMEM=y) </a:t>
+            </a:r>
+            <a:r>
+              <a:rPr lang="en-US" sz="1800" dirty="0" err="1"/>
+              <a:t>enable_devmem.cfg</a:t>
+            </a:r>
+            <a:endParaRPr lang="en-US" sz="1800" dirty="0"/>
+          </a:p>
+          <a:p>
+            <a:pPr lvl="1"/>
+            <a:r>
+              <a:rPr lang="en-US" sz="1800" dirty="0"/>
+              <a:t>Add the fragment name file to append file </a:t>
+            </a:r>
+          </a:p>
+          <a:p>
+            <a:r>
+              <a:rPr lang="en-US" sz="2000" dirty="0"/>
+              <a:t>Command display all the appends</a:t>
+            </a:r>
+          </a:p>
+          <a:p>
+            <a:pPr lvl="1"/>
+            <a:r>
+              <a:rPr lang="en-US" sz="1800" dirty="0" err="1"/>
+              <a:t>Bitbake</a:t>
+            </a:r>
+            <a:r>
+              <a:rPr lang="en-US" sz="1800" dirty="0"/>
+              <a:t>-layers show-appends</a:t>
+            </a:r>
+          </a:p>
+          <a:p>
+            <a:pPr lvl="1"/>
+            <a:r>
+              <a:rPr lang="en-US" sz="1800" dirty="0"/>
+              <a:t>Show priority layer :  </a:t>
+            </a:r>
+            <a:r>
+              <a:rPr lang="en-US" sz="1800" dirty="0" err="1"/>
+              <a:t>bitbake</a:t>
+            </a:r>
+            <a:r>
+              <a:rPr lang="en-US" sz="1800" dirty="0"/>
+              <a:t>-layers show-layers</a:t>
+            </a:r>
+          </a:p>
+          <a:p>
+            <a:pPr lvl="1"/>
+            <a:endParaRPr lang="en-US" dirty="0"/>
+          </a:p>
+          <a:p>
+            <a:pPr lvl="1"/>
+            <a:endParaRPr lang="en-US" dirty="0"/>
+          </a:p>
+          <a:p>
+            <a:pPr lvl="1"/>
+            <a:endParaRPr lang="en-US" dirty="0"/>
+          </a:p>
+        </p:txBody>
+      </p:sp>
+    </p:spTree>
+    <p:extLst>
+      <p:ext uri="{BB962C8B-B14F-4D97-AF65-F5344CB8AC3E}">
+        <p14:creationId xmlns:p14="http://schemas.microsoft.com/office/powerpoint/2010/main" val="1844065309"/>
+      </p:ext>
+    </p:extLst>
+  </p:cSld>
+  <p:clrMapOvr>
+    <a:masterClrMapping/>
+  </p:clrMapOvr>
+  <p:transition/>
+</p:sld>
+</file>
+
+<file path=ppt/slides/slide41.xml><?xml version="1.0" encoding="utf-8"?>
+<p:sld xmlns:a="http://schemas.openxmlformats.org/drawingml/2006/main" xmlns:r="http://schemas.openxmlformats.org/officeDocument/2006/relationships" xmlns:p="http://schemas.openxmlformats.org/presentationml/2006/main">
+  <p:cSld>
+    <p:spTree>
+      <p:nvGrpSpPr>
+        <p:cNvPr id="1" name=""/>
+        <p:cNvGrpSpPr/>
+        <p:nvPr/>
+      </p:nvGrpSpPr>
+      <p:grpSpPr>
+        <a:xfrm>
+          <a:off x="0" y="0"/>
+          <a:ext cx="0" cy="0"/>
+          <a:chOff x="0" y="0"/>
+          <a:chExt cx="0" cy="0"/>
+        </a:xfrm>
+      </p:grpSpPr>
+      <p:sp>
+        <p:nvSpPr>
           <p:cNvPr id="48130" name="Title 1">
             <a:extLst>
               <a:ext uri="{FF2B5EF4-FFF2-40B4-BE49-F238E27FC236}">
@@ -13333,8 +13597,8 @@
           </a:extLst>
         </p:spPr>
       </p:pic>
-      <mc:AlternateContent xmlns:mc="http://schemas.openxmlformats.org/markup-compatibility/2006">
-        <mc:Choice xmlns:p14="http://schemas.microsoft.com/office/powerpoint/2010/main" Requires="p14">
+      <mc:AlternateContent xmlns:mc="http://schemas.openxmlformats.org/markup-compatibility/2006" xmlns:p14="http://schemas.microsoft.com/office/powerpoint/2010/main">
+        <mc:Choice Requires="p14">
           <p:contentPart p14:bwMode="auto" r:id="rId3">
             <p14:nvContentPartPr>
               <p14:cNvPr id="2" name="Ink 1">
@@ -13353,7 +13617,7 @@
             </p14:xfrm>
           </p:contentPart>
         </mc:Choice>
-        <mc:Fallback>
+        <mc:Fallback xmlns="">
           <p:pic>
             <p:nvPicPr>
               <p:cNvPr id="2" name="Ink 1">
@@ -13393,7 +13657,7 @@
 </p:sld>
 </file>
 
-<file path=ppt/slides/slide41.xml><?xml version="1.0" encoding="utf-8"?>
+<file path=ppt/slides/slide42.xml><?xml version="1.0" encoding="utf-8"?>
 <p:sld xmlns:a="http://schemas.openxmlformats.org/drawingml/2006/main" xmlns:r="http://schemas.openxmlformats.org/officeDocument/2006/relationships" xmlns:p="http://schemas.openxmlformats.org/presentationml/2006/main">
   <p:cSld>
     <p:spTree>
@@ -14021,7 +14285,7 @@
 </p:sld>
 </file>
 
-<file path=ppt/slides/slide42.xml><?xml version="1.0" encoding="utf-8"?>
+<file path=ppt/slides/slide43.xml><?xml version="1.0" encoding="utf-8"?>
 <p:sld xmlns:a="http://schemas.openxmlformats.org/drawingml/2006/main" xmlns:r="http://schemas.openxmlformats.org/officeDocument/2006/relationships" xmlns:p="http://schemas.openxmlformats.org/presentationml/2006/main">
   <p:cSld>
     <p:spTree>
@@ -14372,8 +14636,8 @@
           </a:extLst>
         </p:spPr>
       </p:pic>
-      <mc:AlternateContent xmlns:mc="http://schemas.openxmlformats.org/markup-compatibility/2006">
-        <mc:Choice xmlns:p14="http://schemas.microsoft.com/office/powerpoint/2010/main" Requires="p14">
+      <mc:AlternateContent xmlns:mc="http://schemas.openxmlformats.org/markup-compatibility/2006" xmlns:p14="http://schemas.microsoft.com/office/powerpoint/2010/main">
+        <mc:Choice Requires="p14">
           <p:contentPart p14:bwMode="auto" r:id="rId4">
             <p14:nvContentPartPr>
               <p14:cNvPr id="2" name="Ink 1">
@@ -14392,7 +14656,7 @@
             </p14:xfrm>
           </p:contentPart>
         </mc:Choice>
-        <mc:Fallback>
+        <mc:Fallback xmlns="">
           <p:pic>
             <p:nvPicPr>
               <p:cNvPr id="2" name="Ink 1">
@@ -14432,7 +14696,7 @@
 </p:sld>
 </file>
 
-<file path=ppt/slides/slide43.xml><?xml version="1.0" encoding="utf-8"?>
+<file path=ppt/slides/slide44.xml><?xml version="1.0" encoding="utf-8"?>
 <p:sld xmlns:a="http://schemas.openxmlformats.org/drawingml/2006/main" xmlns:r="http://schemas.openxmlformats.org/officeDocument/2006/relationships" xmlns:p="http://schemas.openxmlformats.org/presentationml/2006/main">
   <p:cSld>
     <p:spTree>
@@ -14831,7 +15095,7 @@
 </p:sld>
 </file>
 
-<file path=ppt/slides/slide44.xml><?xml version="1.0" encoding="utf-8"?>
+<file path=ppt/slides/slide45.xml><?xml version="1.0" encoding="utf-8"?>
 <p:sld xmlns:a="http://schemas.openxmlformats.org/drawingml/2006/main" xmlns:r="http://schemas.openxmlformats.org/officeDocument/2006/relationships" xmlns:p="http://schemas.openxmlformats.org/presentationml/2006/main">
   <p:cSld>
     <p:spTree>
@@ -15040,7 +15304,7 @@
 </p:sld>
 </file>
 
-<file path=ppt/slides/slide45.xml><?xml version="1.0" encoding="utf-8"?>
+<file path=ppt/slides/slide46.xml><?xml version="1.0" encoding="utf-8"?>
 <p:sld xmlns:a="http://schemas.openxmlformats.org/drawingml/2006/main" xmlns:r="http://schemas.openxmlformats.org/officeDocument/2006/relationships" xmlns:p="http://schemas.openxmlformats.org/presentationml/2006/main">
   <p:cSld>
     <p:spTree>
@@ -15290,7 +15554,7 @@
             </a:r>
             <a:r>
               <a:rPr lang="en-US" sz="1600" dirty="0">
-                <a:hlinkClick r:id=""/>
+                <a:hlinkClick r:id="" action="ppaction://noaction"/>
               </a:rPr>
               <a:t>file://</a:t>
             </a:r>
@@ -15396,7 +15660,289 @@
 </p:sld>
 </file>
 
-<file path=ppt/slides/slide46.xml><?xml version="1.0" encoding="utf-8"?>
+<file path=ppt/slides/slide47.xml><?xml version="1.0" encoding="utf-8"?>
+<p:sld xmlns:a="http://schemas.openxmlformats.org/drawingml/2006/main" xmlns:r="http://schemas.openxmlformats.org/officeDocument/2006/relationships" xmlns:p="http://schemas.openxmlformats.org/presentationml/2006/main">
+  <p:cSld>
+    <p:spTree>
+      <p:nvGrpSpPr>
+        <p:cNvPr id="1" name=""/>
+        <p:cNvGrpSpPr/>
+        <p:nvPr/>
+      </p:nvGrpSpPr>
+      <p:grpSpPr>
+        <a:xfrm>
+          <a:off x="0" y="0"/>
+          <a:ext cx="0" cy="0"/>
+          <a:chOff x="0" y="0"/>
+          <a:chExt cx="0" cy="0"/>
+        </a:xfrm>
+      </p:grpSpPr>
+      <p:sp>
+        <p:nvSpPr>
+          <p:cNvPr id="2" name="Title 1">
+            <a:extLst>
+              <a:ext uri="{FF2B5EF4-FFF2-40B4-BE49-F238E27FC236}">
+                <a16:creationId xmlns:a16="http://schemas.microsoft.com/office/drawing/2014/main" id="{BCEDF934-23C8-186B-568D-111BAA58A43C}"/>
+              </a:ext>
+            </a:extLst>
+          </p:cNvPr>
+          <p:cNvSpPr>
+            <a:spLocks noGrp="1"/>
+          </p:cNvSpPr>
+          <p:nvPr>
+            <p:ph type="title"/>
+          </p:nvPr>
+        </p:nvSpPr>
+        <p:spPr/>
+        <p:txBody>
+          <a:bodyPr/>
+          <a:lstStyle/>
+          <a:p>
+            <a:r>
+              <a:rPr lang="en-US" dirty="0"/>
+              <a:t>SDK - Toolchain</a:t>
+            </a:r>
+            <a:endParaRPr lang="he-IL" dirty="0"/>
+          </a:p>
+        </p:txBody>
+      </p:sp>
+      <p:sp>
+        <p:nvSpPr>
+          <p:cNvPr id="3" name="Content Placeholder 2">
+            <a:extLst>
+              <a:ext uri="{FF2B5EF4-FFF2-40B4-BE49-F238E27FC236}">
+                <a16:creationId xmlns:a16="http://schemas.microsoft.com/office/drawing/2014/main" id="{93945C90-3CF5-A92A-E89F-02E03971CC5B}"/>
+              </a:ext>
+            </a:extLst>
+          </p:cNvPr>
+          <p:cNvSpPr>
+            <a:spLocks noGrp="1"/>
+          </p:cNvSpPr>
+          <p:nvPr>
+            <p:ph idx="1"/>
+          </p:nvPr>
+        </p:nvSpPr>
+        <p:spPr>
+          <a:xfrm>
+            <a:off x="838200" y="1844824"/>
+            <a:ext cx="10515600" cy="4351338"/>
+          </a:xfrm>
+        </p:spPr>
+        <p:txBody>
+          <a:bodyPr/>
+          <a:lstStyle/>
+          <a:p>
+            <a:r>
+              <a:rPr lang="en-US" sz="2000" dirty="0"/>
+              <a:t>Disable </a:t>
+            </a:r>
+            <a:r>
+              <a:rPr lang="en-US" sz="2000" dirty="0" err="1"/>
+              <a:t>ssl</a:t>
+            </a:r>
+            <a:r>
+              <a:rPr lang="en-US" sz="2000" dirty="0"/>
+              <a:t> certificate  (avoid Rafael WWW  block)</a:t>
+            </a:r>
+          </a:p>
+          <a:p>
+            <a:pPr lvl="1"/>
+            <a:r>
+              <a:rPr lang="en-US" sz="1600" dirty="0"/>
+              <a:t>Build/conf/</a:t>
+            </a:r>
+            <a:r>
+              <a:rPr lang="en-US" sz="1600" dirty="0" err="1"/>
+              <a:t>local.conf</a:t>
+            </a:r>
+            <a:endParaRPr lang="en-US" sz="1600" dirty="0"/>
+          </a:p>
+          <a:p>
+            <a:pPr lvl="1"/>
+            <a:r>
+              <a:rPr lang="en-US" sz="1600" dirty="0"/>
+              <a:t>Add : BB_CHECK_SSL_CERTS = “0”</a:t>
+            </a:r>
+          </a:p>
+          <a:p>
+            <a:pPr lvl="1"/>
+            <a:r>
+              <a:rPr lang="en-US" sz="1600" dirty="0"/>
+              <a:t>Save and exit</a:t>
+            </a:r>
+          </a:p>
+          <a:p>
+            <a:r>
+              <a:rPr lang="en-US" sz="2000" dirty="0"/>
+              <a:t>Run from build directory : </a:t>
+            </a:r>
+            <a:r>
+              <a:rPr lang="en-US" sz="2000" dirty="0" err="1"/>
+              <a:t>bitbake</a:t>
+            </a:r>
+            <a:r>
+              <a:rPr lang="en-US" sz="2000" dirty="0"/>
+              <a:t> &lt;image&gt; -c </a:t>
+            </a:r>
+            <a:r>
+              <a:rPr lang="en-US" sz="2000" dirty="0" err="1"/>
+              <a:t>populate_sdk</a:t>
+            </a:r>
+            <a:r>
+              <a:rPr lang="en-US" sz="2000" dirty="0"/>
+              <a:t>  (please note this operation can take 1 hour and size addition of ~60G).</a:t>
+            </a:r>
+          </a:p>
+          <a:p>
+            <a:r>
+              <a:rPr lang="en-US" sz="2000" dirty="0"/>
+              <a:t>Cd /var/</a:t>
+            </a:r>
+            <a:r>
+              <a:rPr lang="en-US" sz="2000" dirty="0" err="1"/>
+              <a:t>yocto</a:t>
+            </a:r>
+            <a:r>
+              <a:rPr lang="en-US" sz="2000" dirty="0"/>
+              <a:t>/</a:t>
+            </a:r>
+            <a:r>
+              <a:rPr lang="en-US" sz="2000" dirty="0" err="1"/>
+              <a:t>tmp</a:t>
+            </a:r>
+            <a:r>
+              <a:rPr lang="en-US" sz="2000" dirty="0"/>
+              <a:t>/deploy/</a:t>
+            </a:r>
+            <a:r>
+              <a:rPr lang="en-US" sz="2000" dirty="0" err="1"/>
+              <a:t>sdk</a:t>
+            </a:r>
+            <a:endParaRPr lang="en-US" sz="2000" dirty="0"/>
+          </a:p>
+          <a:p>
+            <a:r>
+              <a:rPr lang="en-US" sz="2000" dirty="0"/>
+              <a:t>Run the bash install script that located in this directory .(.</a:t>
+            </a:r>
+            <a:r>
+              <a:rPr lang="en-US" sz="2000" dirty="0" err="1"/>
+              <a:t>sh</a:t>
+            </a:r>
+            <a:r>
+              <a:rPr lang="en-US" sz="2000" dirty="0"/>
+              <a:t>)</a:t>
+            </a:r>
+          </a:p>
+          <a:p>
+            <a:r>
+              <a:rPr lang="en-US" sz="2000" dirty="0"/>
+              <a:t>Go to path which you deploy the </a:t>
+            </a:r>
+            <a:r>
+              <a:rPr lang="en-US" sz="2000" dirty="0" err="1"/>
+              <a:t>sdk</a:t>
+            </a:r>
+            <a:r>
+              <a:rPr lang="en-US" sz="2000" dirty="0"/>
+              <a:t> in the </a:t>
+            </a:r>
+            <a:r>
+              <a:rPr lang="en-US" sz="2000" dirty="0" err="1"/>
+              <a:t>installition</a:t>
+            </a:r>
+            <a:r>
+              <a:rPr lang="en-US" sz="2000" dirty="0"/>
+              <a:t>.</a:t>
+            </a:r>
+          </a:p>
+          <a:p>
+            <a:r>
+              <a:rPr lang="en-US" sz="2000" dirty="0"/>
+              <a:t>Run : source </a:t>
+            </a:r>
+            <a:r>
+              <a:rPr lang="en-US" sz="2000" dirty="0" err="1"/>
+              <a:t>envoirment</a:t>
+            </a:r>
+            <a:r>
+              <a:rPr lang="en-US" sz="2000" dirty="0"/>
+              <a:t>-setup-&lt;</a:t>
+            </a:r>
+            <a:r>
+              <a:rPr lang="en-US" sz="2000" dirty="0" err="1"/>
+              <a:t>machine_name_arch</a:t>
+            </a:r>
+            <a:r>
+              <a:rPr lang="en-US" sz="2000" dirty="0"/>
+              <a:t>&gt;-&lt;distro&gt;-</a:t>
+            </a:r>
+            <a:r>
+              <a:rPr lang="en-US" sz="2000" dirty="0" err="1"/>
+              <a:t>linux</a:t>
+            </a:r>
+            <a:endParaRPr lang="en-US" sz="2000" dirty="0"/>
+          </a:p>
+          <a:p>
+            <a:pPr lvl="1"/>
+            <a:r>
+              <a:rPr lang="en-US" sz="1600" dirty="0"/>
+              <a:t>Example:  source envoirment-setup-core2-64-poky-linux</a:t>
+            </a:r>
+          </a:p>
+          <a:p>
+            <a:r>
+              <a:rPr lang="en-US" sz="2000" dirty="0"/>
+              <a:t>After source you can find the </a:t>
+            </a:r>
+            <a:r>
+              <a:rPr lang="en-US" sz="2000" dirty="0" err="1"/>
+              <a:t>gcc</a:t>
+            </a:r>
+            <a:r>
+              <a:rPr lang="en-US" sz="2000" dirty="0"/>
+              <a:t> / g++ according to machine arch , for example in case of x86_64 :  x86_64-linux-gnu-gcc</a:t>
+            </a:r>
+          </a:p>
+          <a:p>
+            <a:r>
+              <a:rPr lang="en-US" sz="2000" dirty="0"/>
+              <a:t>Example : x86_64-linux-gnu-gcc </a:t>
+            </a:r>
+            <a:r>
+              <a:rPr lang="en-US" sz="2000" dirty="0" err="1"/>
+              <a:t>main.c</a:t>
+            </a:r>
+            <a:r>
+              <a:rPr lang="en-US" sz="2000" dirty="0"/>
+              <a:t> –o  </a:t>
+            </a:r>
+            <a:r>
+              <a:rPr lang="en-US" sz="2000" dirty="0" err="1"/>
+              <a:t>hellow</a:t>
+            </a:r>
+            <a:endParaRPr lang="en-US" sz="2000" dirty="0"/>
+          </a:p>
+          <a:p>
+            <a:endParaRPr lang="he-IL" sz="2000" dirty="0"/>
+          </a:p>
+        </p:txBody>
+      </p:sp>
+    </p:spTree>
+    <p:extLst>
+      <p:ext uri="{BB962C8B-B14F-4D97-AF65-F5344CB8AC3E}">
+        <p14:creationId xmlns:p14="http://schemas.microsoft.com/office/powerpoint/2010/main" val="312422738"/>
+      </p:ext>
+    </p:extLst>
+  </p:cSld>
+  <p:clrMapOvr>
+    <a:masterClrMapping/>
+  </p:clrMapOvr>
+  <p:transition/>
+</p:sld>
+</file>
+
+<file path=ppt/slides/slide48.xml><?xml version="1.0" encoding="utf-8"?>
 <p:sld xmlns:a="http://schemas.openxmlformats.org/drawingml/2006/main" xmlns:r="http://schemas.openxmlformats.org/officeDocument/2006/relationships" xmlns:p="http://schemas.openxmlformats.org/presentationml/2006/main">
   <p:cSld>
     <p:spTree>
@@ -15481,7 +16027,7 @@
 </p:sld>
 </file>
 
-<file path=ppt/slides/slide47.xml><?xml version="1.0" encoding="utf-8"?>
+<file path=ppt/slides/slide49.xml><?xml version="1.0" encoding="utf-8"?>
 <p:sld xmlns:a="http://schemas.openxmlformats.org/drawingml/2006/main" xmlns:r="http://schemas.openxmlformats.org/officeDocument/2006/relationships" xmlns:p="http://schemas.openxmlformats.org/presentationml/2006/main">
   <p:cSld>
     <p:spTree>
@@ -15865,7 +16411,163 @@
 </p:sld>
 </file>
 
-<file path=ppt/slides/slide48.xml><?xml version="1.0" encoding="utf-8"?>
+<file path=ppt/slides/slide5.xml><?xml version="1.0" encoding="utf-8"?>
+<p:sld xmlns:a="http://schemas.openxmlformats.org/drawingml/2006/main" xmlns:r="http://schemas.openxmlformats.org/officeDocument/2006/relationships" xmlns:p="http://schemas.openxmlformats.org/presentationml/2006/main">
+  <p:cSld>
+    <p:spTree>
+      <p:nvGrpSpPr>
+        <p:cNvPr id="1" name=""/>
+        <p:cNvGrpSpPr/>
+        <p:nvPr/>
+      </p:nvGrpSpPr>
+      <p:grpSpPr>
+        <a:xfrm>
+          <a:off x="0" y="0"/>
+          <a:ext cx="0" cy="0"/>
+          <a:chOff x="0" y="0"/>
+          <a:chExt cx="0" cy="0"/>
+        </a:xfrm>
+      </p:grpSpPr>
+      <p:sp>
+        <p:nvSpPr>
+          <p:cNvPr id="17410" name="Title 1">
+            <a:extLst>
+              <a:ext uri="{FF2B5EF4-FFF2-40B4-BE49-F238E27FC236}">
+                <a16:creationId xmlns:a16="http://schemas.microsoft.com/office/drawing/2014/main" id="{0B36969D-EEF0-906B-643F-F8905D42F0C9}"/>
+              </a:ext>
+            </a:extLst>
+          </p:cNvPr>
+          <p:cNvSpPr>
+            <a:spLocks noGrp="1" noChangeArrowheads="1"/>
+          </p:cNvSpPr>
+          <p:nvPr>
+            <p:ph type="title" idx="4294967295"/>
+          </p:nvPr>
+        </p:nvSpPr>
+        <p:spPr/>
+        <p:txBody>
+          <a:bodyPr/>
+          <a:lstStyle/>
+          <a:p>
+            <a:r>
+              <a:rPr lang="en-US" altLang="en-US" dirty="0"/>
+              <a:t>Embedded Systems – Characteristics </a:t>
+            </a:r>
+          </a:p>
+        </p:txBody>
+      </p:sp>
+      <p:sp>
+        <p:nvSpPr>
+          <p:cNvPr id="17411" name="Content Placeholder 2">
+            <a:extLst>
+              <a:ext uri="{FF2B5EF4-FFF2-40B4-BE49-F238E27FC236}">
+                <a16:creationId xmlns:a16="http://schemas.microsoft.com/office/drawing/2014/main" id="{8843E44E-D4ED-D8C4-123E-BCB27BF777EF}"/>
+              </a:ext>
+            </a:extLst>
+          </p:cNvPr>
+          <p:cNvSpPr>
+            <a:spLocks noGrp="1" noChangeArrowheads="1"/>
+          </p:cNvSpPr>
+          <p:nvPr>
+            <p:ph idx="4294967295"/>
+          </p:nvPr>
+        </p:nvSpPr>
+        <p:spPr>
+          <a:xfrm>
+            <a:off x="838200" y="1690688"/>
+            <a:ext cx="10515600" cy="4802187"/>
+          </a:xfrm>
+        </p:spPr>
+        <p:txBody>
+          <a:bodyPr/>
+          <a:lstStyle/>
+          <a:p>
+            <a:r>
+              <a:rPr lang="en-US" altLang="en-US" sz="2000" dirty="0"/>
+              <a:t>Consist hardware , software and firmware</a:t>
+            </a:r>
+          </a:p>
+          <a:p>
+            <a:pPr lvl="1"/>
+            <a:r>
+              <a:rPr lang="en-US" altLang="en-US" sz="1800" dirty="0"/>
+              <a:t>Basic Hardware : processor, power supply, memory, </a:t>
+            </a:r>
+            <a:r>
+              <a:rPr lang="en-US" altLang="en-US" sz="1800" dirty="0" err="1"/>
+              <a:t>flash,communication</a:t>
+            </a:r>
+            <a:r>
+              <a:rPr lang="en-US" altLang="en-US" sz="1800" dirty="0"/>
+              <a:t> port.</a:t>
+            </a:r>
+          </a:p>
+          <a:p>
+            <a:pPr lvl="1"/>
+            <a:r>
+              <a:rPr lang="en-US" altLang="en-US" sz="1800" dirty="0"/>
+              <a:t>Firmware : implement of FPGA </a:t>
+            </a:r>
+          </a:p>
+          <a:p>
+            <a:pPr lvl="1"/>
+            <a:r>
+              <a:rPr lang="en-US" altLang="en-US" sz="1800" dirty="0"/>
+              <a:t>Software : embedded OS , application task.</a:t>
+            </a:r>
+          </a:p>
+          <a:p>
+            <a:r>
+              <a:rPr lang="en-US" altLang="en-US" sz="2000" dirty="0"/>
+              <a:t>Can be embedded in a large system to perform a specific function , as they are built for specialized task within the system.</a:t>
+            </a:r>
+          </a:p>
+          <a:p>
+            <a:r>
+              <a:rPr lang="en-US" altLang="en-US" sz="2000" dirty="0"/>
+              <a:t>Can be microprocessor or microcontroller and compute power.</a:t>
+            </a:r>
+          </a:p>
+          <a:p>
+            <a:r>
+              <a:rPr lang="en-US" altLang="en-US" sz="2000" dirty="0"/>
+              <a:t>Real time : require to perform their function under a time constraint to keep the larger system functioning properly (usually </a:t>
+            </a:r>
+            <a:r>
+              <a:rPr lang="en-US" altLang="en-US" sz="2000" dirty="0" err="1"/>
+              <a:t>baremetal</a:t>
+            </a:r>
+            <a:r>
+              <a:rPr lang="en-US" altLang="en-US" sz="2000" dirty="0"/>
+              <a:t> , </a:t>
+            </a:r>
+            <a:r>
+              <a:rPr lang="en-US" altLang="en-US" sz="2000" dirty="0" err="1"/>
+              <a:t>linux</a:t>
+            </a:r>
+            <a:r>
+              <a:rPr lang="en-US" altLang="en-US" sz="2000" dirty="0"/>
+              <a:t> by default is not real-time.)</a:t>
+            </a:r>
+          </a:p>
+          <a:p>
+            <a:endParaRPr lang="en-US" altLang="en-US" dirty="0"/>
+          </a:p>
+          <a:p>
+            <a:endParaRPr lang="en-US" altLang="en-US" dirty="0"/>
+          </a:p>
+        </p:txBody>
+      </p:sp>
+    </p:spTree>
+  </p:cSld>
+  <p:clrMapOvr>
+    <a:masterClrMapping/>
+  </p:clrMapOvr>
+  <p:transition/>
+</p:sld>
+</file>
+
+<file path=ppt/slides/slide50.xml><?xml version="1.0" encoding="utf-8"?>
 <p:sld xmlns:a="http://schemas.openxmlformats.org/drawingml/2006/main" xmlns:r="http://schemas.openxmlformats.org/officeDocument/2006/relationships" xmlns:p="http://schemas.openxmlformats.org/presentationml/2006/main">
   <p:cSld>
     <p:spTree>
@@ -15924,7 +16626,7 @@
 </p:sld>
 </file>
 
-<file path=ppt/slides/slide49.xml><?xml version="1.0" encoding="utf-8"?>
+<file path=ppt/slides/slide51.xml><?xml version="1.0" encoding="utf-8"?>
 <p:sld xmlns:a="http://schemas.openxmlformats.org/drawingml/2006/main" xmlns:r="http://schemas.openxmlformats.org/officeDocument/2006/relationships" xmlns:p="http://schemas.openxmlformats.org/presentationml/2006/main">
   <p:cSld>
     <p:spTree>
@@ -16691,163 +17393,7 @@
 </p:sld>
 </file>
 
-<file path=ppt/slides/slide5.xml><?xml version="1.0" encoding="utf-8"?>
-<p:sld xmlns:a="http://schemas.openxmlformats.org/drawingml/2006/main" xmlns:r="http://schemas.openxmlformats.org/officeDocument/2006/relationships" xmlns:p="http://schemas.openxmlformats.org/presentationml/2006/main">
-  <p:cSld>
-    <p:spTree>
-      <p:nvGrpSpPr>
-        <p:cNvPr id="1" name=""/>
-        <p:cNvGrpSpPr/>
-        <p:nvPr/>
-      </p:nvGrpSpPr>
-      <p:grpSpPr>
-        <a:xfrm>
-          <a:off x="0" y="0"/>
-          <a:ext cx="0" cy="0"/>
-          <a:chOff x="0" y="0"/>
-          <a:chExt cx="0" cy="0"/>
-        </a:xfrm>
-      </p:grpSpPr>
-      <p:sp>
-        <p:nvSpPr>
-          <p:cNvPr id="17410" name="Title 1">
-            <a:extLst>
-              <a:ext uri="{FF2B5EF4-FFF2-40B4-BE49-F238E27FC236}">
-                <a16:creationId xmlns:a16="http://schemas.microsoft.com/office/drawing/2014/main" id="{0B36969D-EEF0-906B-643F-F8905D42F0C9}"/>
-              </a:ext>
-            </a:extLst>
-          </p:cNvPr>
-          <p:cNvSpPr>
-            <a:spLocks noGrp="1" noChangeArrowheads="1"/>
-          </p:cNvSpPr>
-          <p:nvPr>
-            <p:ph type="title" idx="4294967295"/>
-          </p:nvPr>
-        </p:nvSpPr>
-        <p:spPr/>
-        <p:txBody>
-          <a:bodyPr/>
-          <a:lstStyle/>
-          <a:p>
-            <a:r>
-              <a:rPr lang="en-US" altLang="en-US" dirty="0"/>
-              <a:t>Embedded Systems – Characteristics </a:t>
-            </a:r>
-          </a:p>
-        </p:txBody>
-      </p:sp>
-      <p:sp>
-        <p:nvSpPr>
-          <p:cNvPr id="17411" name="Content Placeholder 2">
-            <a:extLst>
-              <a:ext uri="{FF2B5EF4-FFF2-40B4-BE49-F238E27FC236}">
-                <a16:creationId xmlns:a16="http://schemas.microsoft.com/office/drawing/2014/main" id="{8843E44E-D4ED-D8C4-123E-BCB27BF777EF}"/>
-              </a:ext>
-            </a:extLst>
-          </p:cNvPr>
-          <p:cNvSpPr>
-            <a:spLocks noGrp="1" noChangeArrowheads="1"/>
-          </p:cNvSpPr>
-          <p:nvPr>
-            <p:ph idx="4294967295"/>
-          </p:nvPr>
-        </p:nvSpPr>
-        <p:spPr>
-          <a:xfrm>
-            <a:off x="838200" y="1690688"/>
-            <a:ext cx="10515600" cy="4802187"/>
-          </a:xfrm>
-        </p:spPr>
-        <p:txBody>
-          <a:bodyPr/>
-          <a:lstStyle/>
-          <a:p>
-            <a:r>
-              <a:rPr lang="en-US" altLang="en-US" sz="2000" dirty="0"/>
-              <a:t>Consist hardware , software and firmware</a:t>
-            </a:r>
-          </a:p>
-          <a:p>
-            <a:pPr lvl="1"/>
-            <a:r>
-              <a:rPr lang="en-US" altLang="en-US" sz="1800" dirty="0"/>
-              <a:t>Basic Hardware : processor, power supply, memory, </a:t>
-            </a:r>
-            <a:r>
-              <a:rPr lang="en-US" altLang="en-US" sz="1800" dirty="0" err="1"/>
-              <a:t>flash,communication</a:t>
-            </a:r>
-            <a:r>
-              <a:rPr lang="en-US" altLang="en-US" sz="1800" dirty="0"/>
-              <a:t> port.</a:t>
-            </a:r>
-          </a:p>
-          <a:p>
-            <a:pPr lvl="1"/>
-            <a:r>
-              <a:rPr lang="en-US" altLang="en-US" sz="1800" dirty="0"/>
-              <a:t>Firmware : implement of FPGA </a:t>
-            </a:r>
-          </a:p>
-          <a:p>
-            <a:pPr lvl="1"/>
-            <a:r>
-              <a:rPr lang="en-US" altLang="en-US" sz="1800" dirty="0"/>
-              <a:t>Software : embedded OS , application task.</a:t>
-            </a:r>
-          </a:p>
-          <a:p>
-            <a:r>
-              <a:rPr lang="en-US" altLang="en-US" sz="2000" dirty="0"/>
-              <a:t>Can be embedded in a large system to perform a specific function , as they are built for specialized task within the system.</a:t>
-            </a:r>
-          </a:p>
-          <a:p>
-            <a:r>
-              <a:rPr lang="en-US" altLang="en-US" sz="2000" dirty="0"/>
-              <a:t>Can be microprocessor or microcontroller and compute power.</a:t>
-            </a:r>
-          </a:p>
-          <a:p>
-            <a:r>
-              <a:rPr lang="en-US" altLang="en-US" sz="2000" dirty="0"/>
-              <a:t>Real time : require to perform their function under a time constraint to keep the larger system functioning properly (usually </a:t>
-            </a:r>
-            <a:r>
-              <a:rPr lang="en-US" altLang="en-US" sz="2000" dirty="0" err="1"/>
-              <a:t>baremetal</a:t>
-            </a:r>
-            <a:r>
-              <a:rPr lang="en-US" altLang="en-US" sz="2000" dirty="0"/>
-              <a:t> , </a:t>
-            </a:r>
-            <a:r>
-              <a:rPr lang="en-US" altLang="en-US" sz="2000" dirty="0" err="1"/>
-              <a:t>linux</a:t>
-            </a:r>
-            <a:r>
-              <a:rPr lang="en-US" altLang="en-US" sz="2000" dirty="0"/>
-              <a:t> by default is not real-time.)</a:t>
-            </a:r>
-          </a:p>
-          <a:p>
-            <a:endParaRPr lang="en-US" altLang="en-US" dirty="0"/>
-          </a:p>
-          <a:p>
-            <a:endParaRPr lang="en-US" altLang="en-US" dirty="0"/>
-          </a:p>
-        </p:txBody>
-      </p:sp>
-    </p:spTree>
-  </p:cSld>
-  <p:clrMapOvr>
-    <a:masterClrMapping/>
-  </p:clrMapOvr>
-  <p:transition/>
-</p:sld>
-</file>
-
-<file path=ppt/slides/slide50.xml><?xml version="1.0" encoding="utf-8"?>
+<file path=ppt/slides/slide52.xml><?xml version="1.0" encoding="utf-8"?>
 <p:sld xmlns:a="http://schemas.openxmlformats.org/drawingml/2006/main" xmlns:r="http://schemas.openxmlformats.org/officeDocument/2006/relationships" xmlns:p="http://schemas.openxmlformats.org/presentationml/2006/main">
   <p:cSld>
     <p:spTree>
@@ -17004,7 +17550,7 @@
 </p:sld>
 </file>
 
-<file path=ppt/slides/slide51.xml><?xml version="1.0" encoding="utf-8"?>
+<file path=ppt/slides/slide53.xml><?xml version="1.0" encoding="utf-8"?>
 <p:sld xmlns:a="http://schemas.openxmlformats.org/drawingml/2006/main" xmlns:r="http://schemas.openxmlformats.org/officeDocument/2006/relationships" xmlns:p="http://schemas.openxmlformats.org/presentationml/2006/main">
   <p:cSld>
     <p:spTree>
@@ -20733,7 +21279,7 @@
 </p:sld>
 </file>
 
-<file path=ppt/slides/slide52.xml><?xml version="1.0" encoding="utf-8"?>
+<file path=ppt/slides/slide54.xml><?xml version="1.0" encoding="utf-8"?>
 <p:sld xmlns:a="http://schemas.openxmlformats.org/drawingml/2006/main" xmlns:r="http://schemas.openxmlformats.org/officeDocument/2006/relationships" xmlns:p="http://schemas.openxmlformats.org/presentationml/2006/main">
   <p:cSld>
     <p:spTree>
@@ -21275,7 +21821,7 @@
 </p:sld>
 </file>
 
-<file path=ppt/slides/slide53.xml><?xml version="1.0" encoding="utf-8"?>
+<file path=ppt/slides/slide55.xml><?xml version="1.0" encoding="utf-8"?>
 <p:sld xmlns:a="http://schemas.openxmlformats.org/drawingml/2006/main" xmlns:r="http://schemas.openxmlformats.org/officeDocument/2006/relationships" xmlns:p="http://schemas.openxmlformats.org/presentationml/2006/main">
   <p:cSld>
     <p:spTree>
@@ -21573,7 +22119,7 @@
 </p:sld>
 </file>
 
-<file path=ppt/slides/slide54.xml><?xml version="1.0" encoding="utf-8"?>
+<file path=ppt/slides/slide56.xml><?xml version="1.0" encoding="utf-8"?>
 <p:sld xmlns:a="http://schemas.openxmlformats.org/drawingml/2006/main" xmlns:r="http://schemas.openxmlformats.org/officeDocument/2006/relationships" xmlns:p="http://schemas.openxmlformats.org/presentationml/2006/main">
   <p:cSld>
     <p:spTree>
@@ -22124,7 +22670,7 @@
 </p:sld>
 </file>
 
-<file path=ppt/slides/slide55.xml><?xml version="1.0" encoding="utf-8"?>
+<file path=ppt/slides/slide57.xml><?xml version="1.0" encoding="utf-8"?>
 <p:sld xmlns:a="http://schemas.openxmlformats.org/drawingml/2006/main" xmlns:r="http://schemas.openxmlformats.org/officeDocument/2006/relationships" xmlns:p="http://schemas.openxmlformats.org/presentationml/2006/main">
   <p:cSld>
     <p:spTree>
@@ -22425,6 +22971,364 @@
         </p:txBody>
       </p:sp>
     </p:spTree>
+  </p:cSld>
+  <p:clrMapOvr>
+    <a:masterClrMapping/>
+  </p:clrMapOvr>
+  <p:transition/>
+</p:sld>
+</file>
+
+<file path=ppt/slides/slide58.xml><?xml version="1.0" encoding="utf-8"?>
+<p:sld xmlns:a="http://schemas.openxmlformats.org/drawingml/2006/main" xmlns:r="http://schemas.openxmlformats.org/officeDocument/2006/relationships" xmlns:p="http://schemas.openxmlformats.org/presentationml/2006/main">
+  <p:cSld>
+    <p:spTree>
+      <p:nvGrpSpPr>
+        <p:cNvPr id="1" name=""/>
+        <p:cNvGrpSpPr/>
+        <p:nvPr/>
+      </p:nvGrpSpPr>
+      <p:grpSpPr>
+        <a:xfrm>
+          <a:off x="0" y="0"/>
+          <a:ext cx="0" cy="0"/>
+          <a:chOff x="0" y="0"/>
+          <a:chExt cx="0" cy="0"/>
+        </a:xfrm>
+      </p:grpSpPr>
+      <p:sp>
+        <p:nvSpPr>
+          <p:cNvPr id="2" name="Title 1">
+            <a:extLst>
+              <a:ext uri="{FF2B5EF4-FFF2-40B4-BE49-F238E27FC236}">
+                <a16:creationId xmlns:a16="http://schemas.microsoft.com/office/drawing/2014/main" id="{F32B75FB-1031-989C-4EB6-1B7952F6E1C8}"/>
+              </a:ext>
+            </a:extLst>
+          </p:cNvPr>
+          <p:cNvSpPr>
+            <a:spLocks noGrp="1"/>
+          </p:cNvSpPr>
+          <p:nvPr>
+            <p:ph type="title"/>
+          </p:nvPr>
+        </p:nvSpPr>
+        <p:spPr/>
+        <p:txBody>
+          <a:bodyPr/>
+          <a:lstStyle/>
+          <a:p>
+            <a:r>
+              <a:rPr lang="en-US" dirty="0"/>
+              <a:t>Practice	</a:t>
+            </a:r>
+            <a:endParaRPr lang="he-IL" dirty="0"/>
+          </a:p>
+        </p:txBody>
+      </p:sp>
+      <p:sp>
+        <p:nvSpPr>
+          <p:cNvPr id="3" name="Content Placeholder 2">
+            <a:extLst>
+              <a:ext uri="{FF2B5EF4-FFF2-40B4-BE49-F238E27FC236}">
+                <a16:creationId xmlns:a16="http://schemas.microsoft.com/office/drawing/2014/main" id="{BB37B71B-52C4-C7B3-BB2E-9369B5FFB5FA}"/>
+              </a:ext>
+            </a:extLst>
+          </p:cNvPr>
+          <p:cNvSpPr>
+            <a:spLocks noGrp="1"/>
+          </p:cNvSpPr>
+          <p:nvPr>
+            <p:ph idx="1"/>
+          </p:nvPr>
+        </p:nvSpPr>
+        <p:spPr/>
+        <p:txBody>
+          <a:bodyPr/>
+          <a:lstStyle/>
+          <a:p>
+            <a:r>
+              <a:rPr lang="en-US" sz="2000" dirty="0"/>
+              <a:t>Exercise1:</a:t>
+            </a:r>
+          </a:p>
+          <a:p>
+            <a:pPr lvl="1"/>
+            <a:r>
+              <a:rPr lang="en-US" sz="1800" dirty="0"/>
+              <a:t>create and add new layer to your project – name it ‘meta-student’ – verify that layer added .</a:t>
+            </a:r>
+          </a:p>
+          <a:p>
+            <a:pPr lvl="1"/>
+            <a:r>
+              <a:rPr lang="en-US" sz="1800" dirty="0"/>
+              <a:t>Copy file core-image-minimal.bb (use find command )  to your recipe core inside your layer (recipes-core/images/) , name it student-image.bb</a:t>
+            </a:r>
+          </a:p>
+          <a:p>
+            <a:pPr lvl="1"/>
+            <a:r>
+              <a:rPr lang="en-US" sz="1800" dirty="0"/>
+              <a:t>Build the image with this recipe</a:t>
+            </a:r>
+          </a:p>
+          <a:p>
+            <a:pPr lvl="1"/>
+            <a:r>
+              <a:rPr lang="en-US" sz="1800" dirty="0"/>
+              <a:t>Run </a:t>
+            </a:r>
+            <a:r>
+              <a:rPr lang="en-US" sz="1800" dirty="0" err="1"/>
+              <a:t>runqemu</a:t>
+            </a:r>
+            <a:r>
+              <a:rPr lang="en-US" sz="1800" dirty="0"/>
+              <a:t> </a:t>
+            </a:r>
+            <a:r>
+              <a:rPr lang="en-US" sz="1800" dirty="0" err="1"/>
+              <a:t>slirp</a:t>
+            </a:r>
+            <a:r>
+              <a:rPr lang="en-US" sz="1800" dirty="0"/>
+              <a:t> </a:t>
+            </a:r>
+            <a:r>
+              <a:rPr lang="en-US" sz="1800" dirty="0" err="1"/>
+              <a:t>nographic</a:t>
+            </a:r>
+            <a:r>
+              <a:rPr lang="en-US" sz="1800" dirty="0"/>
+              <a:t> (from separate terminal)</a:t>
+            </a:r>
+          </a:p>
+          <a:p>
+            <a:pPr lvl="1"/>
+            <a:r>
+              <a:rPr lang="en-US" sz="1800" dirty="0"/>
+              <a:t>Copy the artifact files inside the folder &lt;&gt;</a:t>
+            </a:r>
+          </a:p>
+          <a:p>
+            <a:pPr lvl="1"/>
+            <a:endParaRPr lang="he-IL" dirty="0"/>
+          </a:p>
+        </p:txBody>
+      </p:sp>
+    </p:spTree>
+    <p:extLst>
+      <p:ext uri="{BB962C8B-B14F-4D97-AF65-F5344CB8AC3E}">
+        <p14:creationId xmlns:p14="http://schemas.microsoft.com/office/powerpoint/2010/main" val="832219534"/>
+      </p:ext>
+    </p:extLst>
+  </p:cSld>
+  <p:clrMapOvr>
+    <a:masterClrMapping/>
+  </p:clrMapOvr>
+  <p:transition/>
+</p:sld>
+</file>
+
+<file path=ppt/slides/slide59.xml><?xml version="1.0" encoding="utf-8"?>
+<p:sld xmlns:a="http://schemas.openxmlformats.org/drawingml/2006/main" xmlns:r="http://schemas.openxmlformats.org/officeDocument/2006/relationships" xmlns:p="http://schemas.openxmlformats.org/presentationml/2006/main">
+  <p:cSld>
+    <p:spTree>
+      <p:nvGrpSpPr>
+        <p:cNvPr id="1" name=""/>
+        <p:cNvGrpSpPr/>
+        <p:nvPr/>
+      </p:nvGrpSpPr>
+      <p:grpSpPr>
+        <a:xfrm>
+          <a:off x="0" y="0"/>
+          <a:ext cx="0" cy="0"/>
+          <a:chOff x="0" y="0"/>
+          <a:chExt cx="0" cy="0"/>
+        </a:xfrm>
+      </p:grpSpPr>
+      <p:sp>
+        <p:nvSpPr>
+          <p:cNvPr id="2" name="Title 1">
+            <a:extLst>
+              <a:ext uri="{FF2B5EF4-FFF2-40B4-BE49-F238E27FC236}">
+                <a16:creationId xmlns:a16="http://schemas.microsoft.com/office/drawing/2014/main" id="{80030F14-7E28-B1CF-62BB-6B4BF46B6694}"/>
+              </a:ext>
+            </a:extLst>
+          </p:cNvPr>
+          <p:cNvSpPr>
+            <a:spLocks noGrp="1"/>
+          </p:cNvSpPr>
+          <p:nvPr>
+            <p:ph type="title"/>
+          </p:nvPr>
+        </p:nvSpPr>
+        <p:spPr/>
+        <p:txBody>
+          <a:bodyPr/>
+          <a:lstStyle/>
+          <a:p>
+            <a:r>
+              <a:rPr lang="en-US" dirty="0"/>
+              <a:t>Practice</a:t>
+            </a:r>
+            <a:endParaRPr lang="he-IL" dirty="0"/>
+          </a:p>
+        </p:txBody>
+      </p:sp>
+      <p:sp>
+        <p:nvSpPr>
+          <p:cNvPr id="3" name="Content Placeholder 2">
+            <a:extLst>
+              <a:ext uri="{FF2B5EF4-FFF2-40B4-BE49-F238E27FC236}">
+                <a16:creationId xmlns:a16="http://schemas.microsoft.com/office/drawing/2014/main" id="{BE693E62-8A45-543F-FDC3-B97F23B3CE38}"/>
+              </a:ext>
+            </a:extLst>
+          </p:cNvPr>
+          <p:cNvSpPr>
+            <a:spLocks noGrp="1"/>
+          </p:cNvSpPr>
+          <p:nvPr>
+            <p:ph idx="1"/>
+          </p:nvPr>
+        </p:nvSpPr>
+        <p:spPr/>
+        <p:txBody>
+          <a:bodyPr/>
+          <a:lstStyle/>
+          <a:p>
+            <a:r>
+              <a:rPr lang="en-US" sz="2000" dirty="0"/>
+              <a:t>Solution Execursie1</a:t>
+            </a:r>
+          </a:p>
+          <a:p>
+            <a:pPr lvl="1"/>
+            <a:r>
+              <a:rPr lang="en-US" sz="1800" dirty="0" err="1"/>
+              <a:t>Bitbake</a:t>
+            </a:r>
+            <a:r>
+              <a:rPr lang="en-US" sz="1800" dirty="0"/>
+              <a:t>-layers create-layer ~/meta-student</a:t>
+            </a:r>
+          </a:p>
+          <a:p>
+            <a:pPr lvl="1"/>
+            <a:r>
+              <a:rPr lang="en-US" sz="1800" dirty="0" err="1"/>
+              <a:t>Bitbake</a:t>
+            </a:r>
+            <a:r>
+              <a:rPr lang="en-US" sz="1800" dirty="0"/>
+              <a:t>-layers add-layer ~/meta-student</a:t>
+            </a:r>
+          </a:p>
+          <a:p>
+            <a:pPr lvl="1"/>
+            <a:r>
+              <a:rPr lang="en-US" sz="1800" dirty="0" err="1"/>
+              <a:t>Bitbake</a:t>
+            </a:r>
+            <a:r>
+              <a:rPr lang="en-US" sz="1800" dirty="0"/>
+              <a:t>-layers show-layers</a:t>
+            </a:r>
+          </a:p>
+          <a:p>
+            <a:pPr lvl="1"/>
+            <a:r>
+              <a:rPr lang="en-US" sz="1800" dirty="0" err="1"/>
+              <a:t>Mkdir</a:t>
+            </a:r>
+            <a:r>
+              <a:rPr lang="en-US" sz="1800" dirty="0"/>
+              <a:t> –p ~/meta-student/recipes-core/images</a:t>
+            </a:r>
+          </a:p>
+          <a:p>
+            <a:pPr lvl="1"/>
+            <a:r>
+              <a:rPr lang="en-US" sz="1800" dirty="0"/>
+              <a:t>From ~/poky : find . –name core-image-minimal*</a:t>
+            </a:r>
+          </a:p>
+          <a:p>
+            <a:pPr lvl="1"/>
+            <a:r>
+              <a:rPr lang="en-US" sz="1800" dirty="0"/>
+              <a:t>Cp ./meta/recipes-core/images/core-image-minimal.bb ~/meta-student/recipes-core/images/student-image.bb</a:t>
+            </a:r>
+          </a:p>
+          <a:p>
+            <a:pPr lvl="1"/>
+            <a:r>
+              <a:rPr lang="en-US" sz="1800" dirty="0" err="1"/>
+              <a:t>Bitbake</a:t>
+            </a:r>
+            <a:r>
+              <a:rPr lang="en-US" sz="1800" dirty="0"/>
+              <a:t> student-image</a:t>
+            </a:r>
+          </a:p>
+          <a:p>
+            <a:pPr lvl="1"/>
+            <a:r>
+              <a:rPr lang="en-US" sz="1800" dirty="0" err="1"/>
+              <a:t>runqemu</a:t>
+            </a:r>
+            <a:r>
+              <a:rPr lang="en-US" sz="1800" dirty="0"/>
+              <a:t> </a:t>
+            </a:r>
+            <a:r>
+              <a:rPr lang="en-US" sz="1800" dirty="0" err="1"/>
+              <a:t>slirp</a:t>
+            </a:r>
+            <a:r>
+              <a:rPr lang="en-US" sz="1800" dirty="0"/>
+              <a:t> </a:t>
+            </a:r>
+            <a:r>
+              <a:rPr lang="en-US" sz="1800" dirty="0" err="1"/>
+              <a:t>nographic</a:t>
+            </a:r>
+            <a:r>
+              <a:rPr lang="en-US" sz="1800" dirty="0"/>
+              <a:t>  (from separate terminal in ~/poky , need to run . Oe before)</a:t>
+            </a:r>
+          </a:p>
+          <a:p>
+            <a:pPr lvl="1"/>
+            <a:endParaRPr lang="en-US" dirty="0"/>
+          </a:p>
+          <a:p>
+            <a:pPr lvl="1"/>
+            <a:endParaRPr lang="en-US" dirty="0"/>
+          </a:p>
+          <a:p>
+            <a:pPr lvl="1"/>
+            <a:endParaRPr lang="en-US" dirty="0"/>
+          </a:p>
+          <a:p>
+            <a:pPr lvl="1"/>
+            <a:endParaRPr lang="en-US" dirty="0"/>
+          </a:p>
+          <a:p>
+            <a:pPr lvl="1"/>
+            <a:endParaRPr lang="en-US" dirty="0"/>
+          </a:p>
+          <a:p>
+            <a:endParaRPr lang="he-IL" dirty="0"/>
+          </a:p>
+        </p:txBody>
+      </p:sp>
+    </p:spTree>
+    <p:extLst>
+      <p:ext uri="{BB962C8B-B14F-4D97-AF65-F5344CB8AC3E}">
+        <p14:creationId xmlns:p14="http://schemas.microsoft.com/office/powerpoint/2010/main" val="1162666270"/>
+      </p:ext>
+    </p:extLst>
   </p:cSld>
   <p:clrMapOvr>
     <a:masterClrMapping/>
@@ -22532,6 +23436,2261 @@
         </p:txBody>
       </p:sp>
     </p:spTree>
+  </p:cSld>
+  <p:clrMapOvr>
+    <a:masterClrMapping/>
+  </p:clrMapOvr>
+  <p:transition/>
+</p:sld>
+</file>
+
+<file path=ppt/slides/slide60.xml><?xml version="1.0" encoding="utf-8"?>
+<p:sld xmlns:a="http://schemas.openxmlformats.org/drawingml/2006/main" xmlns:r="http://schemas.openxmlformats.org/officeDocument/2006/relationships" xmlns:p="http://schemas.openxmlformats.org/presentationml/2006/main">
+  <p:cSld>
+    <p:spTree>
+      <p:nvGrpSpPr>
+        <p:cNvPr id="1" name=""/>
+        <p:cNvGrpSpPr/>
+        <p:nvPr/>
+      </p:nvGrpSpPr>
+      <p:grpSpPr>
+        <a:xfrm>
+          <a:off x="0" y="0"/>
+          <a:ext cx="0" cy="0"/>
+          <a:chOff x="0" y="0"/>
+          <a:chExt cx="0" cy="0"/>
+        </a:xfrm>
+      </p:grpSpPr>
+      <p:sp>
+        <p:nvSpPr>
+          <p:cNvPr id="2" name="Title 1">
+            <a:extLst>
+              <a:ext uri="{FF2B5EF4-FFF2-40B4-BE49-F238E27FC236}">
+                <a16:creationId xmlns:a16="http://schemas.microsoft.com/office/drawing/2014/main" id="{F32B75FB-1031-989C-4EB6-1B7952F6E1C8}"/>
+              </a:ext>
+            </a:extLst>
+          </p:cNvPr>
+          <p:cNvSpPr>
+            <a:spLocks noGrp="1"/>
+          </p:cNvSpPr>
+          <p:nvPr>
+            <p:ph type="title"/>
+          </p:nvPr>
+        </p:nvSpPr>
+        <p:spPr/>
+        <p:txBody>
+          <a:bodyPr/>
+          <a:lstStyle/>
+          <a:p>
+            <a:r>
+              <a:rPr lang="en-US" dirty="0"/>
+              <a:t>Practice	</a:t>
+            </a:r>
+            <a:endParaRPr lang="he-IL" dirty="0"/>
+          </a:p>
+        </p:txBody>
+      </p:sp>
+      <p:sp>
+        <p:nvSpPr>
+          <p:cNvPr id="3" name="Content Placeholder 2">
+            <a:extLst>
+              <a:ext uri="{FF2B5EF4-FFF2-40B4-BE49-F238E27FC236}">
+                <a16:creationId xmlns:a16="http://schemas.microsoft.com/office/drawing/2014/main" id="{BB37B71B-52C4-C7B3-BB2E-9369B5FFB5FA}"/>
+              </a:ext>
+            </a:extLst>
+          </p:cNvPr>
+          <p:cNvSpPr>
+            <a:spLocks noGrp="1"/>
+          </p:cNvSpPr>
+          <p:nvPr>
+            <p:ph idx="1"/>
+          </p:nvPr>
+        </p:nvSpPr>
+        <p:spPr/>
+        <p:txBody>
+          <a:bodyPr/>
+          <a:lstStyle/>
+          <a:p>
+            <a:r>
+              <a:rPr lang="en-US" sz="2000" dirty="0"/>
+              <a:t>Exercise2:</a:t>
+            </a:r>
+          </a:p>
+          <a:p>
+            <a:pPr lvl="1"/>
+            <a:r>
+              <a:rPr lang="en-US" sz="1800" dirty="0"/>
+              <a:t>Create a new toolchain for your project   (use </a:t>
+            </a:r>
+            <a:r>
+              <a:rPr lang="en-US" sz="1800" dirty="0" err="1"/>
+              <a:t>sdk</a:t>
+            </a:r>
+            <a:r>
+              <a:rPr lang="en-US" sz="1800" dirty="0"/>
+              <a:t> slide)  </a:t>
+            </a:r>
+          </a:p>
+          <a:p>
+            <a:pPr lvl="2"/>
+            <a:r>
+              <a:rPr lang="en-US" sz="1400" b="1" dirty="0"/>
+              <a:t>Please note this operation can take ~1 hour and addition size of 60 G</a:t>
+            </a:r>
+          </a:p>
+          <a:p>
+            <a:pPr lvl="1"/>
+            <a:r>
+              <a:rPr lang="en-US" sz="1800" dirty="0"/>
+              <a:t>copy .c file program from link : https://</a:t>
+            </a:r>
+            <a:r>
+              <a:rPr kumimoji="0" lang="he-IL" altLang="he-IL" sz="1800" b="0" i="0" u="none" strike="noStrike" cap="none" normalizeH="0" baseline="0" dirty="0">
+                <a:ln>
+                  <a:noFill/>
+                </a:ln>
+                <a:solidFill>
+                  <a:srgbClr val="1F2328"/>
+                </a:solidFill>
+                <a:effectLst/>
+                <a:latin typeface="var(--fontStack-monospace, ui-monospace, SFMono-Regular, SF Mono, Menlo, Consolas, Liberation Mono, monospace)"/>
+              </a:rPr>
+              <a:t>/www.programiz.com/c-programming/examples</a:t>
+            </a:r>
+            <a:r>
+              <a:rPr kumimoji="0" lang="he-IL" altLang="he-IL" sz="1800" b="0" i="0" u="none" strike="noStrike" cap="none" normalizeH="0" baseline="0" dirty="0">
+                <a:ln>
+                  <a:noFill/>
+                </a:ln>
+                <a:solidFill>
+                  <a:schemeClr val="tx1"/>
+                </a:solidFill>
+                <a:effectLst/>
+              </a:rPr>
+              <a:t> </a:t>
+            </a:r>
+            <a:r>
+              <a:rPr kumimoji="0" lang="en-US" altLang="he-IL" sz="1800" b="0" i="0" u="none" strike="noStrike" cap="none" normalizeH="0" baseline="0" dirty="0">
+                <a:ln>
+                  <a:noFill/>
+                </a:ln>
+                <a:solidFill>
+                  <a:schemeClr val="tx1"/>
+                </a:solidFill>
+                <a:effectLst/>
+              </a:rPr>
+              <a:t>.</a:t>
+            </a:r>
+          </a:p>
+          <a:p>
+            <a:pPr lvl="1"/>
+            <a:r>
+              <a:rPr lang="en-US" altLang="he-IL" sz="1800" dirty="0"/>
+              <a:t>Compile it use your cross-compiler </a:t>
+            </a:r>
+            <a:r>
+              <a:rPr lang="en-US" altLang="he-IL" sz="1800" dirty="0" err="1"/>
+              <a:t>sdk</a:t>
+            </a:r>
+            <a:r>
+              <a:rPr lang="en-US" altLang="he-IL" sz="1800" dirty="0"/>
+              <a:t> (</a:t>
+            </a:r>
+            <a:r>
+              <a:rPr lang="en-US" altLang="he-IL" sz="1800" dirty="0" err="1"/>
+              <a:t>gcc</a:t>
+            </a:r>
+            <a:r>
+              <a:rPr lang="en-US" altLang="he-IL" sz="1800" dirty="0"/>
+              <a:t>-*)</a:t>
+            </a:r>
+          </a:p>
+          <a:p>
+            <a:pPr lvl="1"/>
+            <a:r>
+              <a:rPr lang="en-US" altLang="he-IL" sz="1800" dirty="0"/>
+              <a:t>Verify you have executable file .</a:t>
+            </a:r>
+          </a:p>
+          <a:p>
+            <a:pPr lvl="1"/>
+            <a:r>
+              <a:rPr lang="en-US" altLang="he-IL" sz="1800" dirty="0"/>
+              <a:t>Use </a:t>
+            </a:r>
+            <a:r>
+              <a:rPr lang="en-US" altLang="he-IL" sz="1800" dirty="0" err="1"/>
+              <a:t>ifconfig</a:t>
+            </a:r>
+            <a:r>
+              <a:rPr lang="en-US" altLang="he-IL" sz="1800" dirty="0"/>
+              <a:t> command to set the target </a:t>
+            </a:r>
+            <a:r>
+              <a:rPr lang="en-US" altLang="he-IL" sz="1800" dirty="0" err="1"/>
+              <a:t>ip</a:t>
+            </a:r>
+            <a:r>
+              <a:rPr lang="en-US" altLang="he-IL" sz="1800" dirty="0"/>
+              <a:t> 101.0.0.2 </a:t>
+            </a:r>
+          </a:p>
+          <a:p>
+            <a:pPr lvl="1"/>
+            <a:r>
+              <a:rPr lang="en-US" altLang="he-IL" sz="1800" dirty="0"/>
+              <a:t>Check if you have ping from host to target.</a:t>
+            </a:r>
+          </a:p>
+          <a:p>
+            <a:pPr lvl="1"/>
+            <a:r>
+              <a:rPr lang="en-US" altLang="he-IL" sz="1800" dirty="0"/>
+              <a:t>Connect to target use ssh (you may need to install addition package , don’t forget to add it in your own image .bb according to ex.1</a:t>
+            </a:r>
+          </a:p>
+          <a:p>
+            <a:pPr lvl="1"/>
+            <a:r>
+              <a:rPr lang="en-US" altLang="he-IL" sz="1800" dirty="0"/>
+              <a:t>Copy the executable to target use </a:t>
+            </a:r>
+            <a:r>
+              <a:rPr lang="en-US" altLang="he-IL" sz="1800" dirty="0" err="1"/>
+              <a:t>scp</a:t>
+            </a:r>
+            <a:r>
+              <a:rPr lang="en-US" altLang="he-IL" sz="1800" dirty="0"/>
+              <a:t> command</a:t>
+            </a:r>
+          </a:p>
+          <a:p>
+            <a:pPr lvl="1"/>
+            <a:r>
+              <a:rPr lang="en-US" altLang="he-IL" sz="1800" dirty="0"/>
+              <a:t>Run the executable.</a:t>
+            </a:r>
+          </a:p>
+          <a:p>
+            <a:pPr lvl="1"/>
+            <a:endParaRPr lang="en-US" altLang="he-IL" sz="2000" dirty="0"/>
+          </a:p>
+          <a:p>
+            <a:pPr lvl="1"/>
+            <a:endParaRPr kumimoji="0" lang="en-US" altLang="he-IL" sz="2000" b="0" i="0" u="none" strike="noStrike" cap="none" normalizeH="0" baseline="0" dirty="0">
+              <a:ln>
+                <a:noFill/>
+              </a:ln>
+              <a:solidFill>
+                <a:schemeClr val="tx1"/>
+              </a:solidFill>
+              <a:effectLst/>
+            </a:endParaRPr>
+          </a:p>
+          <a:p>
+            <a:pPr lvl="1"/>
+            <a:endParaRPr lang="he-IL" dirty="0"/>
+          </a:p>
+        </p:txBody>
+      </p:sp>
+    </p:spTree>
+    <p:extLst>
+      <p:ext uri="{BB962C8B-B14F-4D97-AF65-F5344CB8AC3E}">
+        <p14:creationId xmlns:p14="http://schemas.microsoft.com/office/powerpoint/2010/main" val="1448517006"/>
+      </p:ext>
+    </p:extLst>
+  </p:cSld>
+  <p:clrMapOvr>
+    <a:masterClrMapping/>
+  </p:clrMapOvr>
+  <p:transition/>
+</p:sld>
+</file>
+
+<file path=ppt/slides/slide61.xml><?xml version="1.0" encoding="utf-8"?>
+<p:sld xmlns:a="http://schemas.openxmlformats.org/drawingml/2006/main" xmlns:r="http://schemas.openxmlformats.org/officeDocument/2006/relationships" xmlns:p="http://schemas.openxmlformats.org/presentationml/2006/main">
+  <p:cSld>
+    <p:spTree>
+      <p:nvGrpSpPr>
+        <p:cNvPr id="1" name=""/>
+        <p:cNvGrpSpPr/>
+        <p:nvPr/>
+      </p:nvGrpSpPr>
+      <p:grpSpPr>
+        <a:xfrm>
+          <a:off x="0" y="0"/>
+          <a:ext cx="0" cy="0"/>
+          <a:chOff x="0" y="0"/>
+          <a:chExt cx="0" cy="0"/>
+        </a:xfrm>
+      </p:grpSpPr>
+      <p:sp>
+        <p:nvSpPr>
+          <p:cNvPr id="2" name="Title 1">
+            <a:extLst>
+              <a:ext uri="{FF2B5EF4-FFF2-40B4-BE49-F238E27FC236}">
+                <a16:creationId xmlns:a16="http://schemas.microsoft.com/office/drawing/2014/main" id="{87801626-7E08-E98D-1E9E-318C9C1C3C01}"/>
+              </a:ext>
+            </a:extLst>
+          </p:cNvPr>
+          <p:cNvSpPr>
+            <a:spLocks noGrp="1"/>
+          </p:cNvSpPr>
+          <p:nvPr>
+            <p:ph type="title"/>
+          </p:nvPr>
+        </p:nvSpPr>
+        <p:spPr/>
+        <p:txBody>
+          <a:bodyPr/>
+          <a:lstStyle/>
+          <a:p>
+            <a:r>
+              <a:rPr lang="en-US" dirty="0"/>
+              <a:t>Practice</a:t>
+            </a:r>
+            <a:endParaRPr lang="he-IL" dirty="0"/>
+          </a:p>
+        </p:txBody>
+      </p:sp>
+      <p:sp>
+        <p:nvSpPr>
+          <p:cNvPr id="3" name="Content Placeholder 2">
+            <a:extLst>
+              <a:ext uri="{FF2B5EF4-FFF2-40B4-BE49-F238E27FC236}">
+                <a16:creationId xmlns:a16="http://schemas.microsoft.com/office/drawing/2014/main" id="{A57F7135-D093-FA82-0C30-5CF323D37045}"/>
+              </a:ext>
+            </a:extLst>
+          </p:cNvPr>
+          <p:cNvSpPr>
+            <a:spLocks noGrp="1"/>
+          </p:cNvSpPr>
+          <p:nvPr>
+            <p:ph idx="1"/>
+          </p:nvPr>
+        </p:nvSpPr>
+        <p:spPr>
+          <a:xfrm>
+            <a:off x="864122" y="1340768"/>
+            <a:ext cx="10515600" cy="4351338"/>
+          </a:xfrm>
+        </p:spPr>
+        <p:txBody>
+          <a:bodyPr/>
+          <a:lstStyle/>
+          <a:p>
+            <a:r>
+              <a:rPr lang="en-US" sz="2000" dirty="0"/>
+              <a:t>Solution Execursie2</a:t>
+            </a:r>
+          </a:p>
+          <a:p>
+            <a:pPr lvl="1"/>
+            <a:r>
+              <a:rPr lang="en-US" sz="1800" dirty="0"/>
+              <a:t>Follow the steps according in SDK slide</a:t>
+            </a:r>
+          </a:p>
+          <a:p>
+            <a:pPr lvl="1"/>
+            <a:r>
+              <a:rPr lang="en-US" sz="1800" dirty="0"/>
+              <a:t>Vim /</a:t>
+            </a:r>
+            <a:r>
+              <a:rPr lang="en-US" sz="1800" dirty="0" err="1"/>
+              <a:t>tmp</a:t>
+            </a:r>
+            <a:r>
+              <a:rPr lang="en-US" sz="1800" dirty="0"/>
+              <a:t>/</a:t>
+            </a:r>
+            <a:r>
+              <a:rPr lang="en-US" sz="1800" dirty="0" err="1"/>
+              <a:t>factorial.c</a:t>
+            </a:r>
+            <a:endParaRPr lang="en-US" sz="1800" dirty="0"/>
+          </a:p>
+          <a:p>
+            <a:pPr lvl="1"/>
+            <a:r>
+              <a:rPr lang="en-US" sz="1800" dirty="0"/>
+              <a:t>Copy the below to this file and save</a:t>
+            </a:r>
+          </a:p>
+          <a:p>
+            <a:pPr lvl="1"/>
+            <a:endParaRPr lang="en-US" sz="1600" dirty="0"/>
+          </a:p>
+          <a:p>
+            <a:pPr lvl="1"/>
+            <a:endParaRPr lang="en-US" sz="1600" dirty="0"/>
+          </a:p>
+          <a:p>
+            <a:pPr lvl="1"/>
+            <a:endParaRPr lang="en-US" sz="1600" dirty="0"/>
+          </a:p>
+          <a:p>
+            <a:pPr lvl="1"/>
+            <a:endParaRPr lang="en-US" sz="1600" dirty="0"/>
+          </a:p>
+          <a:p>
+            <a:pPr lvl="1"/>
+            <a:endParaRPr lang="en-US" sz="1600" dirty="0"/>
+          </a:p>
+          <a:p>
+            <a:pPr lvl="1"/>
+            <a:endParaRPr lang="en-US" sz="1600" dirty="0"/>
+          </a:p>
+          <a:p>
+            <a:pPr marL="457200" lvl="1" indent="0">
+              <a:buNone/>
+            </a:pPr>
+            <a:endParaRPr lang="en-US" sz="1600" dirty="0"/>
+          </a:p>
+          <a:p>
+            <a:pPr lvl="1"/>
+            <a:r>
+              <a:rPr lang="en-US" sz="1800" dirty="0"/>
+              <a:t>x86_64-linux-gnu-gcc /</a:t>
+            </a:r>
+            <a:r>
+              <a:rPr lang="en-US" sz="1800" dirty="0" err="1"/>
+              <a:t>tmp</a:t>
+            </a:r>
+            <a:r>
+              <a:rPr lang="en-US" sz="1800" dirty="0"/>
+              <a:t>/</a:t>
+            </a:r>
+            <a:r>
+              <a:rPr lang="en-US" sz="1800" dirty="0" err="1"/>
+              <a:t>factiorial.c</a:t>
+            </a:r>
+            <a:r>
+              <a:rPr lang="en-US" sz="1800" dirty="0"/>
+              <a:t> –o </a:t>
+            </a:r>
+            <a:r>
+              <a:rPr lang="en-US" sz="1800" dirty="0" err="1"/>
+              <a:t>factioral</a:t>
+            </a:r>
+            <a:endParaRPr lang="en-US" sz="1800" dirty="0"/>
+          </a:p>
+          <a:p>
+            <a:pPr lvl="1"/>
+            <a:r>
+              <a:rPr lang="en-US" sz="1800" dirty="0"/>
+              <a:t>Add package </a:t>
+            </a:r>
+            <a:r>
+              <a:rPr lang="en-US" sz="1800" dirty="0" err="1"/>
+              <a:t>openssh</a:t>
+            </a:r>
+            <a:r>
+              <a:rPr lang="en-US" sz="1800" dirty="0"/>
+              <a:t> to image and build</a:t>
+            </a:r>
+          </a:p>
+          <a:p>
+            <a:pPr lvl="1"/>
+            <a:r>
+              <a:rPr lang="en-US" sz="1800" dirty="0">
+                <a:highlight>
+                  <a:srgbClr val="FFFF00"/>
+                </a:highlight>
+              </a:rPr>
+              <a:t>Run in separate terminal : </a:t>
+            </a:r>
+            <a:r>
+              <a:rPr lang="en-US" sz="1800" dirty="0" err="1">
+                <a:highlight>
+                  <a:srgbClr val="FFFF00"/>
+                </a:highlight>
+              </a:rPr>
+              <a:t>runqemu</a:t>
+            </a:r>
+            <a:r>
+              <a:rPr lang="en-US" sz="1800" dirty="0">
+                <a:highlight>
+                  <a:srgbClr val="FFFF00"/>
+                </a:highlight>
+              </a:rPr>
+              <a:t> </a:t>
+            </a:r>
+            <a:r>
+              <a:rPr lang="en-US" sz="1800" dirty="0" err="1">
+                <a:highlight>
+                  <a:srgbClr val="FFFF00"/>
+                </a:highlight>
+              </a:rPr>
+              <a:t>slrip</a:t>
+            </a:r>
+            <a:r>
+              <a:rPr lang="en-US" sz="1800" dirty="0">
+                <a:highlight>
+                  <a:srgbClr val="FFFF00"/>
+                </a:highlight>
+              </a:rPr>
+              <a:t> </a:t>
+            </a:r>
+            <a:r>
+              <a:rPr lang="en-US" sz="1800" dirty="0" err="1">
+                <a:highlight>
+                  <a:srgbClr val="FFFF00"/>
+                </a:highlight>
+              </a:rPr>
+              <a:t>nographic</a:t>
+            </a:r>
+            <a:r>
+              <a:rPr lang="en-US" sz="1800" dirty="0">
+                <a:highlight>
+                  <a:srgbClr val="FFFF00"/>
+                </a:highlight>
+              </a:rPr>
+              <a:t> </a:t>
+            </a:r>
+          </a:p>
+          <a:p>
+            <a:pPr lvl="1"/>
+            <a:r>
+              <a:rPr lang="en-US" sz="1800" dirty="0" err="1">
+                <a:highlight>
+                  <a:srgbClr val="FFFF00"/>
+                </a:highlight>
+              </a:rPr>
+              <a:t>Ifconfig</a:t>
+            </a:r>
+            <a:r>
+              <a:rPr lang="en-US" sz="1800" dirty="0">
+                <a:highlight>
+                  <a:srgbClr val="FFFF00"/>
+                </a:highlight>
+              </a:rPr>
+              <a:t> eth0 172.17.0.1 up</a:t>
+            </a:r>
+          </a:p>
+          <a:p>
+            <a:pPr lvl="1"/>
+            <a:r>
+              <a:rPr lang="en-US" sz="1800" dirty="0">
+                <a:highlight>
+                  <a:srgbClr val="FFFF00"/>
+                </a:highlight>
+              </a:rPr>
+              <a:t>Check ssh command is available in target </a:t>
+            </a:r>
+          </a:p>
+          <a:p>
+            <a:pPr lvl="1"/>
+            <a:r>
+              <a:rPr lang="en-US" sz="1800" dirty="0">
+                <a:highlight>
+                  <a:srgbClr val="FFFF00"/>
+                </a:highlight>
+              </a:rPr>
+              <a:t>Ssh from host to target</a:t>
+            </a:r>
+          </a:p>
+          <a:p>
+            <a:pPr lvl="1"/>
+            <a:endParaRPr lang="en-US" sz="1800" dirty="0"/>
+          </a:p>
+          <a:p>
+            <a:pPr lvl="2"/>
+            <a:endParaRPr lang="en-US" sz="1200" dirty="0"/>
+          </a:p>
+          <a:p>
+            <a:pPr lvl="1"/>
+            <a:endParaRPr lang="en-US" sz="1600" dirty="0"/>
+          </a:p>
+          <a:p>
+            <a:pPr lvl="1"/>
+            <a:endParaRPr lang="en-US" sz="1600" dirty="0"/>
+          </a:p>
+          <a:p>
+            <a:pPr lvl="1"/>
+            <a:endParaRPr lang="en-US" sz="1600" dirty="0"/>
+          </a:p>
+          <a:p>
+            <a:pPr lvl="1"/>
+            <a:endParaRPr lang="en-US" sz="1600" dirty="0"/>
+          </a:p>
+          <a:p>
+            <a:endParaRPr lang="he-IL" dirty="0"/>
+          </a:p>
+        </p:txBody>
+      </p:sp>
+      <p:pic>
+        <p:nvPicPr>
+          <p:cNvPr id="7" name="Picture 6">
+            <a:extLst>
+              <a:ext uri="{FF2B5EF4-FFF2-40B4-BE49-F238E27FC236}">
+                <a16:creationId xmlns:a16="http://schemas.microsoft.com/office/drawing/2014/main" id="{04480E62-29B2-0A12-1259-0C3CF668A866}"/>
+              </a:ext>
+            </a:extLst>
+          </p:cNvPr>
+          <p:cNvPicPr>
+            <a:picLocks noChangeAspect="1"/>
+          </p:cNvPicPr>
+          <p:nvPr/>
+        </p:nvPicPr>
+        <p:blipFill>
+          <a:blip r:embed="rId2"/>
+          <a:stretch>
+            <a:fillRect/>
+          </a:stretch>
+        </p:blipFill>
+        <p:spPr>
+          <a:xfrm>
+            <a:off x="1631505" y="2560814"/>
+            <a:ext cx="3096344" cy="1992511"/>
+          </a:xfrm>
+          <a:prstGeom prst="rect">
+            <a:avLst/>
+          </a:prstGeom>
+        </p:spPr>
+      </p:pic>
+    </p:spTree>
+    <p:extLst>
+      <p:ext uri="{BB962C8B-B14F-4D97-AF65-F5344CB8AC3E}">
+        <p14:creationId xmlns:p14="http://schemas.microsoft.com/office/powerpoint/2010/main" val="2813374807"/>
+      </p:ext>
+    </p:extLst>
+  </p:cSld>
+  <p:clrMapOvr>
+    <a:masterClrMapping/>
+  </p:clrMapOvr>
+  <p:transition/>
+</p:sld>
+</file>
+
+<file path=ppt/slides/slide62.xml><?xml version="1.0" encoding="utf-8"?>
+<p:sld xmlns:a="http://schemas.openxmlformats.org/drawingml/2006/main" xmlns:r="http://schemas.openxmlformats.org/officeDocument/2006/relationships" xmlns:p="http://schemas.openxmlformats.org/presentationml/2006/main">
+  <p:cSld>
+    <p:spTree>
+      <p:nvGrpSpPr>
+        <p:cNvPr id="1" name=""/>
+        <p:cNvGrpSpPr/>
+        <p:nvPr/>
+      </p:nvGrpSpPr>
+      <p:grpSpPr>
+        <a:xfrm>
+          <a:off x="0" y="0"/>
+          <a:ext cx="0" cy="0"/>
+          <a:chOff x="0" y="0"/>
+          <a:chExt cx="0" cy="0"/>
+        </a:xfrm>
+      </p:grpSpPr>
+      <p:sp>
+        <p:nvSpPr>
+          <p:cNvPr id="2" name="Title 1">
+            <a:extLst>
+              <a:ext uri="{FF2B5EF4-FFF2-40B4-BE49-F238E27FC236}">
+                <a16:creationId xmlns:a16="http://schemas.microsoft.com/office/drawing/2014/main" id="{87801626-7E08-E98D-1E9E-318C9C1C3C01}"/>
+              </a:ext>
+            </a:extLst>
+          </p:cNvPr>
+          <p:cNvSpPr>
+            <a:spLocks noGrp="1"/>
+          </p:cNvSpPr>
+          <p:nvPr>
+            <p:ph type="title"/>
+          </p:nvPr>
+        </p:nvSpPr>
+        <p:spPr/>
+        <p:txBody>
+          <a:bodyPr/>
+          <a:lstStyle/>
+          <a:p>
+            <a:r>
+              <a:rPr lang="en-US" dirty="0"/>
+              <a:t>Practice</a:t>
+            </a:r>
+            <a:endParaRPr lang="he-IL" dirty="0"/>
+          </a:p>
+        </p:txBody>
+      </p:sp>
+      <p:sp>
+        <p:nvSpPr>
+          <p:cNvPr id="3" name="Content Placeholder 2">
+            <a:extLst>
+              <a:ext uri="{FF2B5EF4-FFF2-40B4-BE49-F238E27FC236}">
+                <a16:creationId xmlns:a16="http://schemas.microsoft.com/office/drawing/2014/main" id="{A57F7135-D093-FA82-0C30-5CF323D37045}"/>
+              </a:ext>
+            </a:extLst>
+          </p:cNvPr>
+          <p:cNvSpPr>
+            <a:spLocks noGrp="1"/>
+          </p:cNvSpPr>
+          <p:nvPr>
+            <p:ph idx="1"/>
+          </p:nvPr>
+        </p:nvSpPr>
+        <p:spPr>
+          <a:xfrm>
+            <a:off x="838200" y="1690688"/>
+            <a:ext cx="10515600" cy="4351338"/>
+          </a:xfrm>
+        </p:spPr>
+        <p:txBody>
+          <a:bodyPr/>
+          <a:lstStyle/>
+          <a:p>
+            <a:r>
+              <a:rPr lang="en-US" sz="2000" dirty="0"/>
+              <a:t>Exercise3:</a:t>
+            </a:r>
+          </a:p>
+          <a:p>
+            <a:pPr lvl="1"/>
+            <a:r>
+              <a:rPr lang="en-US" sz="1800" dirty="0"/>
+              <a:t>Step1:</a:t>
+            </a:r>
+          </a:p>
+          <a:p>
+            <a:pPr lvl="2"/>
+            <a:r>
+              <a:rPr lang="en-US" sz="1600" dirty="0"/>
+              <a:t>Add new recipe inside the layer from ex1 , call it recipe-&lt;</a:t>
+            </a:r>
+            <a:r>
+              <a:rPr lang="en-US" sz="1600" dirty="0" err="1"/>
+              <a:t>name_app</a:t>
+            </a:r>
+            <a:r>
+              <a:rPr lang="en-US" sz="1600" dirty="0"/>
+              <a:t>&gt; that implement the below :</a:t>
+            </a:r>
+          </a:p>
+          <a:p>
+            <a:pPr lvl="3"/>
+            <a:r>
+              <a:rPr lang="en-US" sz="1200" dirty="0"/>
+              <a:t>Compile the file</a:t>
+            </a:r>
+          </a:p>
+          <a:p>
+            <a:pPr lvl="3"/>
+            <a:r>
+              <a:rPr lang="en-US" sz="1200" dirty="0"/>
+              <a:t>Install the file to /</a:t>
+            </a:r>
+            <a:r>
+              <a:rPr lang="en-US" sz="1200" dirty="0" err="1"/>
+              <a:t>usr</a:t>
+            </a:r>
+            <a:r>
+              <a:rPr lang="en-US" sz="1200" dirty="0"/>
+              <a:t>/bin</a:t>
+            </a:r>
+          </a:p>
+          <a:p>
+            <a:pPr lvl="2"/>
+            <a:r>
+              <a:rPr lang="en-US" sz="1600" dirty="0"/>
+              <a:t>Install the application to the image – in the image you create in ex1</a:t>
+            </a:r>
+          </a:p>
+          <a:p>
+            <a:pPr lvl="2"/>
+            <a:r>
+              <a:rPr lang="en-US" sz="1600" dirty="0"/>
+              <a:t>Build and run the emulator</a:t>
+            </a:r>
+          </a:p>
+          <a:p>
+            <a:pPr lvl="2"/>
+            <a:r>
+              <a:rPr lang="en-US" sz="1600" dirty="0"/>
+              <a:t>Check  that you can run the application in the target </a:t>
+            </a:r>
+          </a:p>
+          <a:p>
+            <a:pPr lvl="2"/>
+            <a:r>
+              <a:rPr lang="en-US" sz="1600" b="1" dirty="0"/>
+              <a:t>Hint : check ‘meta-skeleton’ for template.</a:t>
+            </a:r>
+          </a:p>
+          <a:p>
+            <a:pPr lvl="1"/>
+            <a:r>
+              <a:rPr lang="en-US" sz="1800" dirty="0"/>
+              <a:t>Step2:</a:t>
+            </a:r>
+          </a:p>
+          <a:p>
+            <a:pPr lvl="2"/>
+            <a:r>
+              <a:rPr lang="en-US" sz="1400" dirty="0"/>
+              <a:t>Add new recipe that called ‘recipe-</a:t>
+            </a:r>
+            <a:r>
+              <a:rPr lang="en-US" sz="1400" dirty="0" err="1"/>
+              <a:t>init</a:t>
+            </a:r>
+            <a:r>
+              <a:rPr lang="en-US" sz="1400" dirty="0"/>
+              <a:t>’</a:t>
+            </a:r>
+          </a:p>
+          <a:p>
+            <a:pPr lvl="3"/>
+            <a:r>
+              <a:rPr lang="en-US" sz="1200" dirty="0"/>
+              <a:t>Create .bb file that add an </a:t>
+            </a:r>
+            <a:r>
+              <a:rPr lang="en-US" sz="1200" dirty="0" err="1"/>
+              <a:t>init</a:t>
+            </a:r>
+            <a:r>
+              <a:rPr lang="en-US" sz="1200" dirty="0"/>
+              <a:t> script to your image</a:t>
+            </a:r>
+          </a:p>
+          <a:p>
+            <a:pPr lvl="3"/>
+            <a:r>
+              <a:rPr lang="en-US" sz="1200" dirty="0"/>
+              <a:t>The </a:t>
+            </a:r>
+            <a:r>
+              <a:rPr lang="en-US" sz="1200" dirty="0" err="1"/>
+              <a:t>init</a:t>
+            </a:r>
+            <a:r>
+              <a:rPr lang="en-US" sz="1200" dirty="0"/>
+              <a:t> script will run the app from ex1 and direct log as follow    </a:t>
+            </a:r>
+            <a:r>
+              <a:rPr lang="en-US" sz="1200" dirty="0" err="1"/>
+              <a:t>name_app</a:t>
+            </a:r>
+            <a:r>
+              <a:rPr lang="en-US" sz="1200" dirty="0"/>
+              <a:t> &gt; /</a:t>
+            </a:r>
+            <a:r>
+              <a:rPr lang="en-US" sz="1200" dirty="0" err="1"/>
+              <a:t>tmp</a:t>
+            </a:r>
+            <a:r>
+              <a:rPr lang="en-US" sz="1200" dirty="0"/>
+              <a:t>/log.txt</a:t>
+            </a:r>
+          </a:p>
+          <a:p>
+            <a:pPr lvl="2"/>
+            <a:endParaRPr lang="en-US" sz="1200" dirty="0"/>
+          </a:p>
+          <a:p>
+            <a:pPr lvl="2"/>
+            <a:r>
+              <a:rPr lang="en-US" sz="1400" dirty="0"/>
+              <a:t>Build and run the emulator</a:t>
+            </a:r>
+          </a:p>
+          <a:p>
+            <a:pPr lvl="2"/>
+            <a:r>
+              <a:rPr lang="en-US" sz="1400" dirty="0"/>
+              <a:t>Print the log :  cat /</a:t>
+            </a:r>
+            <a:r>
+              <a:rPr lang="en-US" sz="1400" dirty="0" err="1"/>
+              <a:t>tmp</a:t>
+            </a:r>
+            <a:r>
+              <a:rPr lang="en-US" sz="1400" dirty="0"/>
+              <a:t>/log.txt</a:t>
+            </a:r>
+          </a:p>
+          <a:p>
+            <a:pPr lvl="1"/>
+            <a:endParaRPr lang="en-US" sz="1600" dirty="0"/>
+          </a:p>
+          <a:p>
+            <a:pPr lvl="1"/>
+            <a:endParaRPr lang="en-US" sz="1600" dirty="0"/>
+          </a:p>
+          <a:p>
+            <a:pPr lvl="1"/>
+            <a:endParaRPr lang="en-US" sz="1600" dirty="0"/>
+          </a:p>
+          <a:p>
+            <a:endParaRPr lang="he-IL" dirty="0"/>
+          </a:p>
+        </p:txBody>
+      </p:sp>
+    </p:spTree>
+    <p:extLst>
+      <p:ext uri="{BB962C8B-B14F-4D97-AF65-F5344CB8AC3E}">
+        <p14:creationId xmlns:p14="http://schemas.microsoft.com/office/powerpoint/2010/main" val="2974235858"/>
+      </p:ext>
+    </p:extLst>
+  </p:cSld>
+  <p:clrMapOvr>
+    <a:masterClrMapping/>
+  </p:clrMapOvr>
+  <p:transition/>
+</p:sld>
+</file>
+
+<file path=ppt/slides/slide63.xml><?xml version="1.0" encoding="utf-8"?>
+<p:sld xmlns:a="http://schemas.openxmlformats.org/drawingml/2006/main" xmlns:r="http://schemas.openxmlformats.org/officeDocument/2006/relationships" xmlns:p="http://schemas.openxmlformats.org/presentationml/2006/main">
+  <p:cSld>
+    <p:spTree>
+      <p:nvGrpSpPr>
+        <p:cNvPr id="1" name=""/>
+        <p:cNvGrpSpPr/>
+        <p:nvPr/>
+      </p:nvGrpSpPr>
+      <p:grpSpPr>
+        <a:xfrm>
+          <a:off x="0" y="0"/>
+          <a:ext cx="0" cy="0"/>
+          <a:chOff x="0" y="0"/>
+          <a:chExt cx="0" cy="0"/>
+        </a:xfrm>
+      </p:grpSpPr>
+      <p:sp>
+        <p:nvSpPr>
+          <p:cNvPr id="2" name="Title 1">
+            <a:extLst>
+              <a:ext uri="{FF2B5EF4-FFF2-40B4-BE49-F238E27FC236}">
+                <a16:creationId xmlns:a16="http://schemas.microsoft.com/office/drawing/2014/main" id="{FDE83E3B-7FBC-2556-B046-58D1300FC784}"/>
+              </a:ext>
+            </a:extLst>
+          </p:cNvPr>
+          <p:cNvSpPr>
+            <a:spLocks noGrp="1"/>
+          </p:cNvSpPr>
+          <p:nvPr>
+            <p:ph type="title"/>
+          </p:nvPr>
+        </p:nvSpPr>
+        <p:spPr/>
+        <p:txBody>
+          <a:bodyPr/>
+          <a:lstStyle/>
+          <a:p>
+            <a:r>
+              <a:rPr lang="en-US" dirty="0"/>
+              <a:t>Practice</a:t>
+            </a:r>
+            <a:endParaRPr lang="he-IL" dirty="0"/>
+          </a:p>
+        </p:txBody>
+      </p:sp>
+      <p:sp>
+        <p:nvSpPr>
+          <p:cNvPr id="3" name="Content Placeholder 2">
+            <a:extLst>
+              <a:ext uri="{FF2B5EF4-FFF2-40B4-BE49-F238E27FC236}">
+                <a16:creationId xmlns:a16="http://schemas.microsoft.com/office/drawing/2014/main" id="{1654941B-3381-F50A-EB24-FFD4178E85A5}"/>
+              </a:ext>
+            </a:extLst>
+          </p:cNvPr>
+          <p:cNvSpPr>
+            <a:spLocks noGrp="1"/>
+          </p:cNvSpPr>
+          <p:nvPr>
+            <p:ph idx="1"/>
+          </p:nvPr>
+        </p:nvSpPr>
+        <p:spPr>
+          <a:xfrm>
+            <a:off x="838200" y="1825624"/>
+            <a:ext cx="10515600" cy="4771727"/>
+          </a:xfrm>
+        </p:spPr>
+        <p:txBody>
+          <a:bodyPr/>
+          <a:lstStyle/>
+          <a:p>
+            <a:r>
+              <a:rPr lang="en-US" sz="2000" dirty="0"/>
+              <a:t>Solution Execursie3</a:t>
+            </a:r>
+          </a:p>
+          <a:p>
+            <a:pPr lvl="1"/>
+            <a:r>
+              <a:rPr lang="en-US" sz="1800" dirty="0"/>
+              <a:t>Step1</a:t>
+            </a:r>
+          </a:p>
+          <a:p>
+            <a:pPr lvl="2"/>
+            <a:r>
+              <a:rPr lang="en-US" sz="1600" dirty="0"/>
+              <a:t>From ~/poky</a:t>
+            </a:r>
+          </a:p>
+          <a:p>
+            <a:pPr lvl="2"/>
+            <a:r>
+              <a:rPr lang="en-US" sz="1600" dirty="0" err="1"/>
+              <a:t>Mkdir</a:t>
+            </a:r>
+            <a:r>
+              <a:rPr lang="en-US" sz="1600" dirty="0"/>
+              <a:t> –p ../meta-student/recipes-apps/</a:t>
+            </a:r>
+            <a:r>
+              <a:rPr lang="en-US" sz="1600" dirty="0" err="1"/>
+              <a:t>factiorial</a:t>
+            </a:r>
+            <a:r>
+              <a:rPr lang="en-US" sz="1600" dirty="0"/>
+              <a:t>/</a:t>
+            </a:r>
+            <a:r>
+              <a:rPr lang="en-US" sz="1600" dirty="0" err="1"/>
+              <a:t>hellow</a:t>
+            </a:r>
+            <a:r>
+              <a:rPr lang="en-US" sz="1600" dirty="0"/>
+              <a:t>-single/</a:t>
+            </a:r>
+          </a:p>
+          <a:p>
+            <a:pPr lvl="2"/>
+            <a:r>
+              <a:rPr lang="en-US" sz="1600" dirty="0"/>
+              <a:t>Cp –rf meta-skeleton/recipes-skeleton/</a:t>
+            </a:r>
+            <a:r>
+              <a:rPr lang="en-US" sz="1600" dirty="0" err="1"/>
+              <a:t>hellow</a:t>
+            </a:r>
+            <a:r>
+              <a:rPr lang="en-US" sz="1600" dirty="0"/>
+              <a:t>-single/* ../meta-student/recipes-apps/</a:t>
+            </a:r>
+            <a:r>
+              <a:rPr lang="en-US" sz="1600" dirty="0" err="1"/>
+              <a:t>factiorial</a:t>
+            </a:r>
+            <a:r>
+              <a:rPr lang="en-US" sz="1600" dirty="0"/>
+              <a:t>/</a:t>
+            </a:r>
+          </a:p>
+          <a:p>
+            <a:pPr lvl="2"/>
+            <a:r>
+              <a:rPr lang="en-US" sz="1600" dirty="0"/>
+              <a:t>Mv ../meta-student/recipes-apps/factiorial/hello_1.0.bb ../meta-student/recipes-apps/factiorial/factiorial_1.0.bb</a:t>
+            </a:r>
+          </a:p>
+          <a:p>
+            <a:pPr lvl="2"/>
+            <a:r>
+              <a:rPr lang="en-US" sz="1600" dirty="0"/>
+              <a:t>Edit </a:t>
+            </a:r>
+            <a:r>
+              <a:rPr lang="en-US" sz="1600" dirty="0" err="1"/>
+              <a:t>factiorial</a:t>
+            </a:r>
+            <a:r>
+              <a:rPr lang="en-US" sz="1600" dirty="0"/>
+              <a:t> – change all the hello world to </a:t>
+            </a:r>
+            <a:r>
+              <a:rPr lang="en-US" sz="1600" dirty="0" err="1"/>
+              <a:t>factiorial</a:t>
+            </a:r>
+            <a:r>
+              <a:rPr lang="en-US" sz="1600" dirty="0"/>
+              <a:t> (compile and install)</a:t>
+            </a:r>
+          </a:p>
+          <a:p>
+            <a:pPr lvl="2"/>
+            <a:r>
+              <a:rPr lang="en-US" sz="1600" dirty="0"/>
+              <a:t>Mv ../meta-student/recipes-apps/</a:t>
+            </a:r>
+            <a:r>
+              <a:rPr lang="en-US" sz="1600" dirty="0" err="1"/>
+              <a:t>factiorial</a:t>
+            </a:r>
+            <a:r>
+              <a:rPr lang="en-US" sz="1600" dirty="0"/>
+              <a:t>/files/</a:t>
+            </a:r>
+            <a:r>
+              <a:rPr lang="en-US" sz="1600" dirty="0" err="1"/>
+              <a:t>helloworld.c</a:t>
+            </a:r>
+            <a:r>
+              <a:rPr lang="en-US" sz="1600" dirty="0"/>
+              <a:t> ../meta-student/recipes-apps/</a:t>
+            </a:r>
+            <a:r>
+              <a:rPr lang="en-US" sz="1600" dirty="0" err="1"/>
+              <a:t>factiorial</a:t>
+            </a:r>
+            <a:r>
+              <a:rPr lang="en-US" sz="1600" dirty="0"/>
+              <a:t>/files/</a:t>
+            </a:r>
+            <a:r>
+              <a:rPr lang="en-US" sz="1600" dirty="0" err="1"/>
+              <a:t>factiorial.c</a:t>
+            </a:r>
+            <a:r>
+              <a:rPr lang="en-US" sz="1600" dirty="0"/>
+              <a:t> </a:t>
+            </a:r>
+          </a:p>
+          <a:p>
+            <a:pPr lvl="2"/>
+            <a:r>
+              <a:rPr lang="en-US" sz="1600" dirty="0"/>
+              <a:t>Edit the code ../meta-student/recipes-apps/</a:t>
+            </a:r>
+            <a:r>
+              <a:rPr lang="en-US" sz="1600" dirty="0" err="1"/>
+              <a:t>factiorial</a:t>
+            </a:r>
+            <a:r>
+              <a:rPr lang="en-US" sz="1600" dirty="0"/>
+              <a:t>/files/</a:t>
+            </a:r>
+            <a:r>
+              <a:rPr lang="en-US" sz="1600" dirty="0" err="1"/>
+              <a:t>factiorial.c</a:t>
+            </a:r>
+            <a:endParaRPr lang="en-US" sz="1600" dirty="0"/>
+          </a:p>
+          <a:p>
+            <a:pPr lvl="2"/>
+            <a:r>
+              <a:rPr lang="en-US" sz="1600" dirty="0"/>
+              <a:t>Add to image :  student-image.bb -&gt; add to </a:t>
+            </a:r>
+            <a:r>
+              <a:rPr lang="en-US" sz="1600" dirty="0" err="1"/>
+              <a:t>vatiable</a:t>
+            </a:r>
+            <a:r>
+              <a:rPr lang="en-US" sz="1600" dirty="0"/>
+              <a:t> </a:t>
+            </a:r>
+            <a:r>
+              <a:rPr lang="en-US" sz="1600" dirty="0" err="1"/>
+              <a:t>IMAGE_INSTALL:append</a:t>
+            </a:r>
+            <a:r>
+              <a:rPr lang="en-US" sz="1600" dirty="0"/>
+              <a:t> = “</a:t>
+            </a:r>
+            <a:r>
+              <a:rPr lang="en-US" sz="1600" dirty="0" err="1"/>
+              <a:t>factiorial</a:t>
+            </a:r>
+            <a:r>
+              <a:rPr lang="en-US" sz="1600" dirty="0"/>
+              <a:t>” </a:t>
+            </a:r>
+          </a:p>
+          <a:p>
+            <a:pPr lvl="2"/>
+            <a:r>
+              <a:rPr lang="en-US" sz="1600" dirty="0" err="1"/>
+              <a:t>Bitbake</a:t>
+            </a:r>
+            <a:r>
+              <a:rPr lang="en-US" sz="1600" dirty="0"/>
+              <a:t> student-image</a:t>
+            </a:r>
+          </a:p>
+          <a:p>
+            <a:pPr lvl="2"/>
+            <a:r>
+              <a:rPr lang="en-US" sz="1600" dirty="0" err="1"/>
+              <a:t>Runqemu</a:t>
+            </a:r>
+            <a:r>
+              <a:rPr lang="en-US" sz="1600" dirty="0"/>
+              <a:t> </a:t>
+            </a:r>
+            <a:r>
+              <a:rPr lang="en-US" sz="1600" dirty="0" err="1"/>
+              <a:t>slirp</a:t>
+            </a:r>
+            <a:r>
+              <a:rPr lang="en-US" sz="1600" dirty="0"/>
+              <a:t> </a:t>
+            </a:r>
+            <a:r>
+              <a:rPr lang="en-US" sz="1600" dirty="0" err="1"/>
+              <a:t>nographic</a:t>
+            </a:r>
+            <a:endParaRPr lang="en-US" sz="1600" dirty="0"/>
+          </a:p>
+          <a:p>
+            <a:pPr lvl="2"/>
+            <a:r>
+              <a:rPr lang="en-US" sz="1600" dirty="0"/>
+              <a:t>Run application</a:t>
+            </a:r>
+          </a:p>
+          <a:p>
+            <a:pPr lvl="2"/>
+            <a:endParaRPr lang="en-US" sz="1400" dirty="0"/>
+          </a:p>
+          <a:p>
+            <a:endParaRPr lang="he-IL" sz="1800" dirty="0"/>
+          </a:p>
+        </p:txBody>
+      </p:sp>
+    </p:spTree>
+    <p:extLst>
+      <p:ext uri="{BB962C8B-B14F-4D97-AF65-F5344CB8AC3E}">
+        <p14:creationId xmlns:p14="http://schemas.microsoft.com/office/powerpoint/2010/main" val="4154992997"/>
+      </p:ext>
+    </p:extLst>
+  </p:cSld>
+  <p:clrMapOvr>
+    <a:masterClrMapping/>
+  </p:clrMapOvr>
+  <p:transition/>
+</p:sld>
+</file>
+
+<file path=ppt/slides/slide64.xml><?xml version="1.0" encoding="utf-8"?>
+<p:sld xmlns:a="http://schemas.openxmlformats.org/drawingml/2006/main" xmlns:r="http://schemas.openxmlformats.org/officeDocument/2006/relationships" xmlns:p="http://schemas.openxmlformats.org/presentationml/2006/main">
+  <p:cSld>
+    <p:spTree>
+      <p:nvGrpSpPr>
+        <p:cNvPr id="1" name=""/>
+        <p:cNvGrpSpPr/>
+        <p:nvPr/>
+      </p:nvGrpSpPr>
+      <p:grpSpPr>
+        <a:xfrm>
+          <a:off x="0" y="0"/>
+          <a:ext cx="0" cy="0"/>
+          <a:chOff x="0" y="0"/>
+          <a:chExt cx="0" cy="0"/>
+        </a:xfrm>
+      </p:grpSpPr>
+      <p:sp>
+        <p:nvSpPr>
+          <p:cNvPr id="2" name="Title 1">
+            <a:extLst>
+              <a:ext uri="{FF2B5EF4-FFF2-40B4-BE49-F238E27FC236}">
+                <a16:creationId xmlns:a16="http://schemas.microsoft.com/office/drawing/2014/main" id="{32205180-1D4F-E251-929F-FBDA181B0452}"/>
+              </a:ext>
+            </a:extLst>
+          </p:cNvPr>
+          <p:cNvSpPr>
+            <a:spLocks noGrp="1"/>
+          </p:cNvSpPr>
+          <p:nvPr>
+            <p:ph type="title"/>
+          </p:nvPr>
+        </p:nvSpPr>
+        <p:spPr/>
+        <p:txBody>
+          <a:bodyPr/>
+          <a:lstStyle/>
+          <a:p>
+            <a:r>
+              <a:rPr lang="en-US" dirty="0"/>
+              <a:t>Practice</a:t>
+            </a:r>
+            <a:endParaRPr lang="he-IL" dirty="0"/>
+          </a:p>
+        </p:txBody>
+      </p:sp>
+      <p:sp>
+        <p:nvSpPr>
+          <p:cNvPr id="3" name="Content Placeholder 2">
+            <a:extLst>
+              <a:ext uri="{FF2B5EF4-FFF2-40B4-BE49-F238E27FC236}">
+                <a16:creationId xmlns:a16="http://schemas.microsoft.com/office/drawing/2014/main" id="{BCEF1FBA-CE2D-9372-99D7-233E8CEF30CE}"/>
+              </a:ext>
+            </a:extLst>
+          </p:cNvPr>
+          <p:cNvSpPr>
+            <a:spLocks noGrp="1"/>
+          </p:cNvSpPr>
+          <p:nvPr>
+            <p:ph idx="1"/>
+          </p:nvPr>
+        </p:nvSpPr>
+        <p:spPr>
+          <a:xfrm>
+            <a:off x="838200" y="1690688"/>
+            <a:ext cx="10515600" cy="4351338"/>
+          </a:xfrm>
+        </p:spPr>
+        <p:txBody>
+          <a:bodyPr/>
+          <a:lstStyle/>
+          <a:p>
+            <a:r>
+              <a:rPr lang="en-US" sz="2000" dirty="0"/>
+              <a:t>Continue Solution Execursie3</a:t>
+            </a:r>
+          </a:p>
+          <a:p>
+            <a:r>
+              <a:rPr lang="en-US" sz="1800" dirty="0"/>
+              <a:t>Step2</a:t>
+            </a:r>
+          </a:p>
+          <a:p>
+            <a:pPr lvl="1"/>
+            <a:r>
+              <a:rPr lang="en-US" sz="1400" dirty="0" err="1"/>
+              <a:t>Mkdir</a:t>
+            </a:r>
+            <a:r>
+              <a:rPr lang="en-US" sz="1400" dirty="0"/>
+              <a:t> –p   ../meta-student/recipes-</a:t>
+            </a:r>
+            <a:r>
+              <a:rPr lang="en-US" sz="1400" dirty="0" err="1"/>
+              <a:t>init</a:t>
+            </a:r>
+            <a:r>
+              <a:rPr lang="en-US" sz="1400" dirty="0"/>
+              <a:t>/</a:t>
+            </a:r>
+            <a:r>
+              <a:rPr lang="en-US" sz="1400" dirty="0" err="1"/>
+              <a:t>factiorial</a:t>
+            </a:r>
+            <a:r>
+              <a:rPr lang="en-US" sz="1400" dirty="0"/>
+              <a:t>/</a:t>
+            </a:r>
+            <a:r>
+              <a:rPr lang="en-US" sz="1400" dirty="0" err="1"/>
+              <a:t>factiorial-init</a:t>
+            </a:r>
+            <a:endParaRPr lang="en-US" sz="1400" dirty="0"/>
+          </a:p>
+          <a:p>
+            <a:pPr lvl="1"/>
+            <a:r>
+              <a:rPr lang="en-US" sz="1400" dirty="0"/>
+              <a:t>Copy recipe .bb </a:t>
+            </a:r>
+            <a:r>
+              <a:rPr lang="en-US" sz="1400" dirty="0" err="1"/>
+              <a:t>init</a:t>
+            </a:r>
+            <a:r>
+              <a:rPr lang="en-US" sz="1400" dirty="0"/>
+              <a:t> template to ../meta-student/recipes-</a:t>
+            </a:r>
+            <a:r>
+              <a:rPr lang="en-US" sz="1400" dirty="0" err="1"/>
+              <a:t>init</a:t>
+            </a:r>
+            <a:r>
+              <a:rPr lang="en-US" sz="1400" dirty="0"/>
+              <a:t>/</a:t>
+            </a:r>
+            <a:r>
+              <a:rPr lang="en-US" sz="1400" dirty="0" err="1"/>
+              <a:t>factiorial</a:t>
+            </a:r>
+            <a:r>
+              <a:rPr lang="en-US" sz="1400" dirty="0"/>
+              <a:t>/</a:t>
+            </a:r>
+          </a:p>
+          <a:p>
+            <a:pPr lvl="1"/>
+            <a:r>
+              <a:rPr lang="en-US" sz="1400" dirty="0"/>
+              <a:t>Copy </a:t>
+            </a:r>
+            <a:r>
+              <a:rPr lang="en-US" sz="1400" dirty="0" err="1"/>
+              <a:t>init</a:t>
+            </a:r>
+            <a:r>
+              <a:rPr lang="en-US" sz="1400" dirty="0"/>
+              <a:t> script template to ../meta-student/recipes-</a:t>
+            </a:r>
+            <a:r>
+              <a:rPr lang="en-US" sz="1400" dirty="0" err="1"/>
+              <a:t>init</a:t>
+            </a:r>
+            <a:r>
+              <a:rPr lang="en-US" sz="1400" dirty="0"/>
+              <a:t>/</a:t>
+            </a:r>
+            <a:r>
+              <a:rPr lang="en-US" sz="1400" dirty="0" err="1"/>
+              <a:t>factiorial</a:t>
+            </a:r>
+            <a:r>
+              <a:rPr lang="en-US" sz="1400" dirty="0"/>
+              <a:t>/</a:t>
+            </a:r>
+            <a:r>
+              <a:rPr lang="en-US" sz="1400" dirty="0" err="1"/>
+              <a:t>factiorial-init</a:t>
+            </a:r>
+            <a:r>
+              <a:rPr lang="en-US" sz="1400" dirty="0"/>
+              <a:t>/</a:t>
+            </a:r>
+          </a:p>
+          <a:p>
+            <a:pPr lvl="1"/>
+            <a:r>
+              <a:rPr lang="en-US" sz="1400" dirty="0"/>
+              <a:t>Edit recipe and rename according the app</a:t>
+            </a:r>
+          </a:p>
+          <a:p>
+            <a:pPr lvl="1"/>
+            <a:r>
+              <a:rPr lang="en-US" sz="1400" dirty="0"/>
+              <a:t>Edit the </a:t>
+            </a:r>
+            <a:r>
+              <a:rPr lang="en-US" sz="1400" dirty="0" err="1"/>
+              <a:t>init</a:t>
+            </a:r>
+            <a:r>
+              <a:rPr lang="en-US" sz="1400" dirty="0"/>
+              <a:t> according.</a:t>
+            </a:r>
+          </a:p>
+          <a:p>
+            <a:pPr lvl="1"/>
+            <a:r>
+              <a:rPr lang="en-US" sz="1400" dirty="0"/>
+              <a:t>Add the recipe to image in your layer</a:t>
+            </a:r>
+          </a:p>
+          <a:p>
+            <a:pPr lvl="1"/>
+            <a:r>
+              <a:rPr lang="en-US" sz="1400" dirty="0"/>
+              <a:t>Build and run</a:t>
+            </a:r>
+          </a:p>
+          <a:p>
+            <a:pPr lvl="1"/>
+            <a:endParaRPr lang="en-US" sz="1400" dirty="0"/>
+          </a:p>
+          <a:p>
+            <a:pPr lvl="1"/>
+            <a:endParaRPr lang="en-US" sz="1400" dirty="0"/>
+          </a:p>
+          <a:p>
+            <a:pPr lvl="1"/>
+            <a:endParaRPr lang="en-US" sz="1400" dirty="0"/>
+          </a:p>
+          <a:p>
+            <a:pPr lvl="1"/>
+            <a:endParaRPr lang="en-US" sz="1600" dirty="0"/>
+          </a:p>
+          <a:p>
+            <a:endParaRPr lang="he-IL" dirty="0"/>
+          </a:p>
+        </p:txBody>
+      </p:sp>
+      <p:pic>
+        <p:nvPicPr>
+          <p:cNvPr id="5" name="Picture 4">
+            <a:extLst>
+              <a:ext uri="{FF2B5EF4-FFF2-40B4-BE49-F238E27FC236}">
+                <a16:creationId xmlns:a16="http://schemas.microsoft.com/office/drawing/2014/main" id="{048B77C2-20C4-9059-5F82-133F7E1B7DF5}"/>
+              </a:ext>
+            </a:extLst>
+          </p:cNvPr>
+          <p:cNvPicPr>
+            <a:picLocks noChangeAspect="1"/>
+          </p:cNvPicPr>
+          <p:nvPr/>
+        </p:nvPicPr>
+        <p:blipFill>
+          <a:blip r:embed="rId2"/>
+          <a:stretch>
+            <a:fillRect/>
+          </a:stretch>
+        </p:blipFill>
+        <p:spPr>
+          <a:xfrm>
+            <a:off x="8040216" y="123646"/>
+            <a:ext cx="4032587" cy="3877648"/>
+          </a:xfrm>
+          <a:prstGeom prst="rect">
+            <a:avLst/>
+          </a:prstGeom>
+        </p:spPr>
+      </p:pic>
+      <p:pic>
+        <p:nvPicPr>
+          <p:cNvPr id="7" name="Picture 6">
+            <a:extLst>
+              <a:ext uri="{FF2B5EF4-FFF2-40B4-BE49-F238E27FC236}">
+                <a16:creationId xmlns:a16="http://schemas.microsoft.com/office/drawing/2014/main" id="{CE4BDA2D-89F1-10A6-C780-6965882DBCED}"/>
+              </a:ext>
+            </a:extLst>
+          </p:cNvPr>
+          <p:cNvPicPr>
+            <a:picLocks noChangeAspect="1"/>
+          </p:cNvPicPr>
+          <p:nvPr/>
+        </p:nvPicPr>
+        <p:blipFill>
+          <a:blip r:embed="rId3"/>
+          <a:stretch>
+            <a:fillRect/>
+          </a:stretch>
+        </p:blipFill>
+        <p:spPr>
+          <a:xfrm>
+            <a:off x="6118023" y="4085845"/>
+            <a:ext cx="5616624" cy="2737514"/>
+          </a:xfrm>
+          <a:prstGeom prst="rect">
+            <a:avLst/>
+          </a:prstGeom>
+        </p:spPr>
+      </p:pic>
+      <p:pic>
+        <p:nvPicPr>
+          <p:cNvPr id="9" name="Picture 8">
+            <a:extLst>
+              <a:ext uri="{FF2B5EF4-FFF2-40B4-BE49-F238E27FC236}">
+                <a16:creationId xmlns:a16="http://schemas.microsoft.com/office/drawing/2014/main" id="{C1202B0E-83C2-3A2D-00AA-B706FF120740}"/>
+              </a:ext>
+            </a:extLst>
+          </p:cNvPr>
+          <p:cNvPicPr>
+            <a:picLocks noChangeAspect="1"/>
+          </p:cNvPicPr>
+          <p:nvPr/>
+        </p:nvPicPr>
+        <p:blipFill>
+          <a:blip r:embed="rId4"/>
+          <a:stretch>
+            <a:fillRect/>
+          </a:stretch>
+        </p:blipFill>
+        <p:spPr>
+          <a:xfrm>
+            <a:off x="1487487" y="5775609"/>
+            <a:ext cx="3609975" cy="1047750"/>
+          </a:xfrm>
+          <a:prstGeom prst="rect">
+            <a:avLst/>
+          </a:prstGeom>
+        </p:spPr>
+      </p:pic>
+      <p:pic>
+        <p:nvPicPr>
+          <p:cNvPr id="11" name="Picture 10">
+            <a:extLst>
+              <a:ext uri="{FF2B5EF4-FFF2-40B4-BE49-F238E27FC236}">
+                <a16:creationId xmlns:a16="http://schemas.microsoft.com/office/drawing/2014/main" id="{D4DDBCA9-7433-D863-CACA-1430CAF4A3E6}"/>
+              </a:ext>
+            </a:extLst>
+          </p:cNvPr>
+          <p:cNvPicPr>
+            <a:picLocks noChangeAspect="1"/>
+          </p:cNvPicPr>
+          <p:nvPr/>
+        </p:nvPicPr>
+        <p:blipFill>
+          <a:blip r:embed="rId5"/>
+          <a:stretch>
+            <a:fillRect/>
+          </a:stretch>
+        </p:blipFill>
+        <p:spPr>
+          <a:xfrm>
+            <a:off x="1396999" y="4337051"/>
+            <a:ext cx="3790950" cy="1314450"/>
+          </a:xfrm>
+          <a:prstGeom prst="rect">
+            <a:avLst/>
+          </a:prstGeom>
+        </p:spPr>
+      </p:pic>
+    </p:spTree>
+    <p:extLst>
+      <p:ext uri="{BB962C8B-B14F-4D97-AF65-F5344CB8AC3E}">
+        <p14:creationId xmlns:p14="http://schemas.microsoft.com/office/powerpoint/2010/main" val="1652490002"/>
+      </p:ext>
+    </p:extLst>
+  </p:cSld>
+  <p:clrMapOvr>
+    <a:masterClrMapping/>
+  </p:clrMapOvr>
+  <p:transition/>
+</p:sld>
+</file>
+
+<file path=ppt/slides/slide65.xml><?xml version="1.0" encoding="utf-8"?>
+<p:sld xmlns:a="http://schemas.openxmlformats.org/drawingml/2006/main" xmlns:r="http://schemas.openxmlformats.org/officeDocument/2006/relationships" xmlns:p="http://schemas.openxmlformats.org/presentationml/2006/main">
+  <p:cSld>
+    <p:spTree>
+      <p:nvGrpSpPr>
+        <p:cNvPr id="1" name=""/>
+        <p:cNvGrpSpPr/>
+        <p:nvPr/>
+      </p:nvGrpSpPr>
+      <p:grpSpPr>
+        <a:xfrm>
+          <a:off x="0" y="0"/>
+          <a:ext cx="0" cy="0"/>
+          <a:chOff x="0" y="0"/>
+          <a:chExt cx="0" cy="0"/>
+        </a:xfrm>
+      </p:grpSpPr>
+      <p:sp>
+        <p:nvSpPr>
+          <p:cNvPr id="2" name="Title 1">
+            <a:extLst>
+              <a:ext uri="{FF2B5EF4-FFF2-40B4-BE49-F238E27FC236}">
+                <a16:creationId xmlns:a16="http://schemas.microsoft.com/office/drawing/2014/main" id="{87801626-7E08-E98D-1E9E-318C9C1C3C01}"/>
+              </a:ext>
+            </a:extLst>
+          </p:cNvPr>
+          <p:cNvSpPr>
+            <a:spLocks noGrp="1"/>
+          </p:cNvSpPr>
+          <p:nvPr>
+            <p:ph type="title"/>
+          </p:nvPr>
+        </p:nvSpPr>
+        <p:spPr/>
+        <p:txBody>
+          <a:bodyPr/>
+          <a:lstStyle/>
+          <a:p>
+            <a:r>
+              <a:rPr lang="en-US" dirty="0"/>
+              <a:t>Practice</a:t>
+            </a:r>
+            <a:endParaRPr lang="he-IL" dirty="0"/>
+          </a:p>
+        </p:txBody>
+      </p:sp>
+      <p:sp>
+        <p:nvSpPr>
+          <p:cNvPr id="3" name="Content Placeholder 2">
+            <a:extLst>
+              <a:ext uri="{FF2B5EF4-FFF2-40B4-BE49-F238E27FC236}">
+                <a16:creationId xmlns:a16="http://schemas.microsoft.com/office/drawing/2014/main" id="{A57F7135-D093-FA82-0C30-5CF323D37045}"/>
+              </a:ext>
+            </a:extLst>
+          </p:cNvPr>
+          <p:cNvSpPr>
+            <a:spLocks noGrp="1"/>
+          </p:cNvSpPr>
+          <p:nvPr>
+            <p:ph idx="1"/>
+          </p:nvPr>
+        </p:nvSpPr>
+        <p:spPr>
+          <a:xfrm>
+            <a:off x="838200" y="1690688"/>
+            <a:ext cx="10515600" cy="4351338"/>
+          </a:xfrm>
+        </p:spPr>
+        <p:txBody>
+          <a:bodyPr/>
+          <a:lstStyle/>
+          <a:p>
+            <a:r>
+              <a:rPr lang="en-US" sz="2000" dirty="0"/>
+              <a:t>Exercise4:</a:t>
+            </a:r>
+          </a:p>
+          <a:p>
+            <a:pPr lvl="1"/>
+            <a:r>
+              <a:rPr lang="en-US" sz="1800" dirty="0"/>
+              <a:t>Step1:</a:t>
+            </a:r>
+          </a:p>
+          <a:p>
+            <a:pPr lvl="2"/>
+            <a:r>
+              <a:rPr lang="en-US" sz="1600" dirty="0"/>
+              <a:t>Create </a:t>
+            </a:r>
+            <a:r>
+              <a:rPr lang="en-US" sz="1600" dirty="0" err="1"/>
+              <a:t>bbclass</a:t>
+            </a:r>
+            <a:r>
+              <a:rPr lang="en-US" sz="1600" dirty="0"/>
+              <a:t> and call it </a:t>
+            </a:r>
+            <a:r>
+              <a:rPr lang="en-US" sz="1600" dirty="0" err="1"/>
+              <a:t>debug_tools</a:t>
+            </a:r>
+            <a:endParaRPr lang="en-US" sz="1600" dirty="0"/>
+          </a:p>
+          <a:p>
+            <a:pPr lvl="2"/>
+            <a:r>
+              <a:rPr lang="en-US" sz="1600" dirty="0"/>
+              <a:t>Write inside it all the debug tools you want to it : stress-ng, </a:t>
+            </a:r>
+            <a:r>
+              <a:rPr lang="en-US" sz="1600" dirty="0" err="1"/>
+              <a:t>valgrind</a:t>
+            </a:r>
+            <a:endParaRPr lang="en-US" sz="1600" dirty="0"/>
+          </a:p>
+          <a:p>
+            <a:pPr lvl="1"/>
+            <a:r>
+              <a:rPr lang="en-US" sz="1800" dirty="0"/>
+              <a:t>Step2:</a:t>
+            </a:r>
+          </a:p>
+          <a:p>
+            <a:pPr lvl="2"/>
+            <a:r>
+              <a:rPr lang="en-US" sz="1400" dirty="0"/>
+              <a:t>Add to your custom image the </a:t>
+            </a:r>
+            <a:r>
+              <a:rPr lang="en-US" sz="1400" dirty="0" err="1"/>
+              <a:t>debug_tools</a:t>
+            </a:r>
+            <a:r>
+              <a:rPr lang="en-US" sz="1400" dirty="0"/>
+              <a:t> by use inherit</a:t>
+            </a:r>
+          </a:p>
+          <a:p>
+            <a:pPr lvl="2"/>
+            <a:r>
+              <a:rPr lang="en-US" sz="1400" dirty="0"/>
+              <a:t>Build and run</a:t>
+            </a:r>
+          </a:p>
+          <a:p>
+            <a:pPr lvl="2"/>
+            <a:r>
+              <a:rPr lang="en-US" sz="1400" dirty="0"/>
+              <a:t>Check that you have these tools in your image</a:t>
+            </a:r>
+          </a:p>
+          <a:p>
+            <a:pPr marL="914400" lvl="2" indent="0">
+              <a:buNone/>
+            </a:pPr>
+            <a:endParaRPr lang="en-US" sz="1800" dirty="0"/>
+          </a:p>
+          <a:p>
+            <a:pPr lvl="2"/>
+            <a:endParaRPr lang="en-US" sz="1400" dirty="0"/>
+          </a:p>
+          <a:p>
+            <a:pPr lvl="1"/>
+            <a:endParaRPr lang="en-US" sz="1600" dirty="0"/>
+          </a:p>
+          <a:p>
+            <a:pPr lvl="1"/>
+            <a:endParaRPr lang="en-US" sz="1600" dirty="0"/>
+          </a:p>
+          <a:p>
+            <a:pPr lvl="1"/>
+            <a:endParaRPr lang="en-US" sz="1600" dirty="0"/>
+          </a:p>
+          <a:p>
+            <a:endParaRPr lang="he-IL" dirty="0"/>
+          </a:p>
+        </p:txBody>
+      </p:sp>
+    </p:spTree>
+    <p:extLst>
+      <p:ext uri="{BB962C8B-B14F-4D97-AF65-F5344CB8AC3E}">
+        <p14:creationId xmlns:p14="http://schemas.microsoft.com/office/powerpoint/2010/main" val="3872232256"/>
+      </p:ext>
+    </p:extLst>
+  </p:cSld>
+  <p:clrMapOvr>
+    <a:masterClrMapping/>
+  </p:clrMapOvr>
+  <p:transition/>
+</p:sld>
+</file>
+
+<file path=ppt/slides/slide66.xml><?xml version="1.0" encoding="utf-8"?>
+<p:sld xmlns:a="http://schemas.openxmlformats.org/drawingml/2006/main" xmlns:r="http://schemas.openxmlformats.org/officeDocument/2006/relationships" xmlns:p="http://schemas.openxmlformats.org/presentationml/2006/main">
+  <p:cSld>
+    <p:spTree>
+      <p:nvGrpSpPr>
+        <p:cNvPr id="1" name=""/>
+        <p:cNvGrpSpPr/>
+        <p:nvPr/>
+      </p:nvGrpSpPr>
+      <p:grpSpPr>
+        <a:xfrm>
+          <a:off x="0" y="0"/>
+          <a:ext cx="0" cy="0"/>
+          <a:chOff x="0" y="0"/>
+          <a:chExt cx="0" cy="0"/>
+        </a:xfrm>
+      </p:grpSpPr>
+      <p:sp>
+        <p:nvSpPr>
+          <p:cNvPr id="2" name="Title 1">
+            <a:extLst>
+              <a:ext uri="{FF2B5EF4-FFF2-40B4-BE49-F238E27FC236}">
+                <a16:creationId xmlns:a16="http://schemas.microsoft.com/office/drawing/2014/main" id="{64A6CBF4-93D2-64B8-0F21-AB587B41143A}"/>
+              </a:ext>
+            </a:extLst>
+          </p:cNvPr>
+          <p:cNvSpPr>
+            <a:spLocks noGrp="1"/>
+          </p:cNvSpPr>
+          <p:nvPr>
+            <p:ph type="title"/>
+          </p:nvPr>
+        </p:nvSpPr>
+        <p:spPr/>
+        <p:txBody>
+          <a:bodyPr/>
+          <a:lstStyle/>
+          <a:p>
+            <a:r>
+              <a:rPr lang="en-US" dirty="0"/>
+              <a:t>Practice</a:t>
+            </a:r>
+            <a:endParaRPr lang="he-IL" dirty="0"/>
+          </a:p>
+        </p:txBody>
+      </p:sp>
+      <p:sp>
+        <p:nvSpPr>
+          <p:cNvPr id="3" name="Content Placeholder 2">
+            <a:extLst>
+              <a:ext uri="{FF2B5EF4-FFF2-40B4-BE49-F238E27FC236}">
+                <a16:creationId xmlns:a16="http://schemas.microsoft.com/office/drawing/2014/main" id="{751ADB7C-C0C0-17EB-2BEB-D87524F291D2}"/>
+              </a:ext>
+            </a:extLst>
+          </p:cNvPr>
+          <p:cNvSpPr>
+            <a:spLocks noGrp="1"/>
+          </p:cNvSpPr>
+          <p:nvPr>
+            <p:ph idx="1"/>
+          </p:nvPr>
+        </p:nvSpPr>
+        <p:spPr/>
+        <p:txBody>
+          <a:bodyPr/>
+          <a:lstStyle/>
+          <a:p>
+            <a:r>
+              <a:rPr lang="en-US" sz="2000" dirty="0"/>
+              <a:t>Solution Exercise4:</a:t>
+            </a:r>
+          </a:p>
+          <a:p>
+            <a:pPr lvl="1"/>
+            <a:r>
+              <a:rPr lang="en-US" sz="1800" dirty="0" err="1"/>
+              <a:t>Mkdir</a:t>
+            </a:r>
+            <a:r>
+              <a:rPr lang="en-US" sz="1800" dirty="0"/>
+              <a:t> ../meta-student/classes</a:t>
+            </a:r>
+          </a:p>
+          <a:p>
+            <a:pPr lvl="1"/>
+            <a:r>
+              <a:rPr lang="en-US" sz="1800" dirty="0"/>
+              <a:t>Vim ../meta-student/classes/</a:t>
+            </a:r>
+            <a:r>
+              <a:rPr lang="en-US" sz="1800" dirty="0" err="1"/>
+              <a:t>student_debug_tools.bbclass</a:t>
+            </a:r>
+            <a:endParaRPr lang="en-US" sz="1800" dirty="0"/>
+          </a:p>
+          <a:p>
+            <a:pPr lvl="2"/>
+            <a:r>
+              <a:rPr lang="en-US" sz="1600" dirty="0" err="1"/>
+              <a:t>IMAGE_INSTALL:append</a:t>
+            </a:r>
+            <a:r>
+              <a:rPr lang="en-US" sz="1600" dirty="0"/>
+              <a:t> =  “  stress-ng </a:t>
+            </a:r>
+            <a:r>
+              <a:rPr lang="en-US" sz="1600" dirty="0" err="1"/>
+              <a:t>valgrind</a:t>
+            </a:r>
+            <a:r>
+              <a:rPr lang="en-US" sz="1600" dirty="0"/>
+              <a:t>”</a:t>
+            </a:r>
+          </a:p>
+          <a:p>
+            <a:pPr lvl="1"/>
+            <a:r>
+              <a:rPr lang="en-US" sz="1800" dirty="0"/>
+              <a:t>Build image</a:t>
+            </a:r>
+          </a:p>
+          <a:p>
+            <a:pPr lvl="1"/>
+            <a:r>
+              <a:rPr lang="en-US" sz="1800" dirty="0"/>
+              <a:t>Run these tools to check if they are running and exist </a:t>
+            </a:r>
+          </a:p>
+          <a:p>
+            <a:endParaRPr lang="he-IL" sz="1800" dirty="0"/>
+          </a:p>
+        </p:txBody>
+      </p:sp>
+    </p:spTree>
+    <p:extLst>
+      <p:ext uri="{BB962C8B-B14F-4D97-AF65-F5344CB8AC3E}">
+        <p14:creationId xmlns:p14="http://schemas.microsoft.com/office/powerpoint/2010/main" val="2409273995"/>
+      </p:ext>
+    </p:extLst>
+  </p:cSld>
+  <p:clrMapOvr>
+    <a:masterClrMapping/>
+  </p:clrMapOvr>
+  <p:transition/>
+</p:sld>
+</file>
+
+<file path=ppt/slides/slide67.xml><?xml version="1.0" encoding="utf-8"?>
+<p:sld xmlns:a="http://schemas.openxmlformats.org/drawingml/2006/main" xmlns:r="http://schemas.openxmlformats.org/officeDocument/2006/relationships" xmlns:p="http://schemas.openxmlformats.org/presentationml/2006/main">
+  <p:cSld>
+    <p:spTree>
+      <p:nvGrpSpPr>
+        <p:cNvPr id="1" name=""/>
+        <p:cNvGrpSpPr/>
+        <p:nvPr/>
+      </p:nvGrpSpPr>
+      <p:grpSpPr>
+        <a:xfrm>
+          <a:off x="0" y="0"/>
+          <a:ext cx="0" cy="0"/>
+          <a:chOff x="0" y="0"/>
+          <a:chExt cx="0" cy="0"/>
+        </a:xfrm>
+      </p:grpSpPr>
+      <p:sp>
+        <p:nvSpPr>
+          <p:cNvPr id="2" name="Title 1">
+            <a:extLst>
+              <a:ext uri="{FF2B5EF4-FFF2-40B4-BE49-F238E27FC236}">
+                <a16:creationId xmlns:a16="http://schemas.microsoft.com/office/drawing/2014/main" id="{87801626-7E08-E98D-1E9E-318C9C1C3C01}"/>
+              </a:ext>
+            </a:extLst>
+          </p:cNvPr>
+          <p:cNvSpPr>
+            <a:spLocks noGrp="1"/>
+          </p:cNvSpPr>
+          <p:nvPr>
+            <p:ph type="title"/>
+          </p:nvPr>
+        </p:nvSpPr>
+        <p:spPr/>
+        <p:txBody>
+          <a:bodyPr/>
+          <a:lstStyle/>
+          <a:p>
+            <a:r>
+              <a:rPr lang="en-US" dirty="0"/>
+              <a:t>Practice</a:t>
+            </a:r>
+            <a:endParaRPr lang="he-IL" dirty="0"/>
+          </a:p>
+        </p:txBody>
+      </p:sp>
+      <p:sp>
+        <p:nvSpPr>
+          <p:cNvPr id="3" name="Content Placeholder 2">
+            <a:extLst>
+              <a:ext uri="{FF2B5EF4-FFF2-40B4-BE49-F238E27FC236}">
+                <a16:creationId xmlns:a16="http://schemas.microsoft.com/office/drawing/2014/main" id="{A57F7135-D093-FA82-0C30-5CF323D37045}"/>
+              </a:ext>
+            </a:extLst>
+          </p:cNvPr>
+          <p:cNvSpPr>
+            <a:spLocks noGrp="1"/>
+          </p:cNvSpPr>
+          <p:nvPr>
+            <p:ph idx="1"/>
+          </p:nvPr>
+        </p:nvSpPr>
+        <p:spPr>
+          <a:xfrm>
+            <a:off x="838200" y="1690688"/>
+            <a:ext cx="10515600" cy="4351338"/>
+          </a:xfrm>
+        </p:spPr>
+        <p:txBody>
+          <a:bodyPr/>
+          <a:lstStyle/>
+          <a:p>
+            <a:r>
+              <a:rPr lang="en-US" sz="2000" dirty="0"/>
+              <a:t>Exercise5:</a:t>
+            </a:r>
+          </a:p>
+          <a:p>
+            <a:pPr lvl="1"/>
+            <a:r>
+              <a:rPr lang="en-US" sz="1800" dirty="0"/>
+              <a:t>Step1:</a:t>
+            </a:r>
+          </a:p>
+          <a:p>
+            <a:pPr lvl="2"/>
+            <a:r>
+              <a:rPr lang="en-US" sz="1400" dirty="0"/>
+              <a:t>Change the recipe-</a:t>
+            </a:r>
+            <a:r>
+              <a:rPr lang="en-US" sz="1400" dirty="0" err="1"/>
+              <a:t>init</a:t>
+            </a:r>
+            <a:r>
+              <a:rPr lang="en-US" sz="1400" dirty="0"/>
+              <a:t> script that the application will direct the print to /dev/</a:t>
+            </a:r>
+            <a:r>
+              <a:rPr lang="en-US" sz="1400" dirty="0" err="1"/>
+              <a:t>kmsg</a:t>
+            </a:r>
+            <a:r>
+              <a:rPr lang="en-US" sz="1400" dirty="0"/>
+              <a:t> – kernel log</a:t>
+            </a:r>
+          </a:p>
+          <a:p>
+            <a:pPr lvl="2"/>
+            <a:r>
+              <a:rPr lang="en-US" sz="1400" dirty="0"/>
+              <a:t>Build and run</a:t>
+            </a:r>
+          </a:p>
+          <a:p>
+            <a:pPr lvl="2"/>
+            <a:r>
+              <a:rPr lang="en-US" sz="1400" dirty="0"/>
+              <a:t>Note that you should see the print of the app to the screen and not just the log ? Why?</a:t>
+            </a:r>
+          </a:p>
+          <a:p>
+            <a:pPr marL="914400" lvl="2" indent="0">
+              <a:buNone/>
+            </a:pPr>
+            <a:endParaRPr lang="en-US" sz="1400" dirty="0"/>
+          </a:p>
+          <a:p>
+            <a:pPr lvl="2"/>
+            <a:endParaRPr lang="en-US" sz="1400" dirty="0"/>
+          </a:p>
+          <a:p>
+            <a:pPr lvl="1"/>
+            <a:r>
+              <a:rPr lang="en-US" sz="1800" dirty="0"/>
+              <a:t>Step2:</a:t>
+            </a:r>
+          </a:p>
+          <a:p>
+            <a:pPr lvl="2"/>
+            <a:r>
+              <a:rPr lang="en-US" sz="1400" dirty="0"/>
+              <a:t>Disable the print of the kernel log to the screen by configuration of the log level in kernel configuration.</a:t>
+            </a:r>
+          </a:p>
+          <a:p>
+            <a:pPr lvl="2"/>
+            <a:r>
+              <a:rPr lang="en-US" sz="1400" dirty="0"/>
+              <a:t>Build and run</a:t>
+            </a:r>
+          </a:p>
+          <a:p>
+            <a:pPr marL="914400" lvl="2" indent="0">
+              <a:buNone/>
+            </a:pPr>
+            <a:endParaRPr lang="en-US" sz="1400" dirty="0"/>
+          </a:p>
+          <a:p>
+            <a:pPr lvl="2"/>
+            <a:endParaRPr lang="en-US" sz="1400" dirty="0"/>
+          </a:p>
+          <a:p>
+            <a:pPr marL="914400" lvl="2" indent="0">
+              <a:buNone/>
+            </a:pPr>
+            <a:endParaRPr lang="en-US" sz="1800" dirty="0"/>
+          </a:p>
+          <a:p>
+            <a:pPr lvl="2"/>
+            <a:endParaRPr lang="en-US" sz="1400" dirty="0"/>
+          </a:p>
+          <a:p>
+            <a:pPr lvl="1"/>
+            <a:endParaRPr lang="en-US" sz="1600" dirty="0"/>
+          </a:p>
+          <a:p>
+            <a:pPr lvl="1"/>
+            <a:endParaRPr lang="en-US" sz="1600" dirty="0"/>
+          </a:p>
+          <a:p>
+            <a:pPr lvl="1"/>
+            <a:endParaRPr lang="en-US" sz="1600" dirty="0"/>
+          </a:p>
+          <a:p>
+            <a:endParaRPr lang="he-IL" dirty="0"/>
+          </a:p>
+        </p:txBody>
+      </p:sp>
+    </p:spTree>
+    <p:extLst>
+      <p:ext uri="{BB962C8B-B14F-4D97-AF65-F5344CB8AC3E}">
+        <p14:creationId xmlns:p14="http://schemas.microsoft.com/office/powerpoint/2010/main" val="2159158170"/>
+      </p:ext>
+    </p:extLst>
+  </p:cSld>
+  <p:clrMapOvr>
+    <a:masterClrMapping/>
+  </p:clrMapOvr>
+  <p:transition/>
+</p:sld>
+</file>
+
+<file path=ppt/slides/slide68.xml><?xml version="1.0" encoding="utf-8"?>
+<p:sld xmlns:a="http://schemas.openxmlformats.org/drawingml/2006/main" xmlns:r="http://schemas.openxmlformats.org/officeDocument/2006/relationships" xmlns:p="http://schemas.openxmlformats.org/presentationml/2006/main">
+  <p:cSld>
+    <p:spTree>
+      <p:nvGrpSpPr>
+        <p:cNvPr id="1" name=""/>
+        <p:cNvGrpSpPr/>
+        <p:nvPr/>
+      </p:nvGrpSpPr>
+      <p:grpSpPr>
+        <a:xfrm>
+          <a:off x="0" y="0"/>
+          <a:ext cx="0" cy="0"/>
+          <a:chOff x="0" y="0"/>
+          <a:chExt cx="0" cy="0"/>
+        </a:xfrm>
+      </p:grpSpPr>
+      <p:sp>
+        <p:nvSpPr>
+          <p:cNvPr id="2" name="Title 1">
+            <a:extLst>
+              <a:ext uri="{FF2B5EF4-FFF2-40B4-BE49-F238E27FC236}">
+                <a16:creationId xmlns:a16="http://schemas.microsoft.com/office/drawing/2014/main" id="{2D7827BF-1479-BC14-1702-9A0BED0BEB36}"/>
+              </a:ext>
+            </a:extLst>
+          </p:cNvPr>
+          <p:cNvSpPr>
+            <a:spLocks noGrp="1"/>
+          </p:cNvSpPr>
+          <p:nvPr>
+            <p:ph type="title"/>
+          </p:nvPr>
+        </p:nvSpPr>
+        <p:spPr/>
+        <p:txBody>
+          <a:bodyPr/>
+          <a:lstStyle/>
+          <a:p>
+            <a:r>
+              <a:rPr lang="en-US" dirty="0"/>
+              <a:t>Linux Commands</a:t>
+            </a:r>
+            <a:endParaRPr lang="he-IL" dirty="0"/>
+          </a:p>
+        </p:txBody>
+      </p:sp>
+      <p:sp>
+        <p:nvSpPr>
+          <p:cNvPr id="3" name="Content Placeholder 2">
+            <a:extLst>
+              <a:ext uri="{FF2B5EF4-FFF2-40B4-BE49-F238E27FC236}">
+                <a16:creationId xmlns:a16="http://schemas.microsoft.com/office/drawing/2014/main" id="{6FA68D0C-C99F-0277-856D-EFDBFE425B44}"/>
+              </a:ext>
+            </a:extLst>
+          </p:cNvPr>
+          <p:cNvSpPr>
+            <a:spLocks noGrp="1"/>
+          </p:cNvSpPr>
+          <p:nvPr>
+            <p:ph idx="1"/>
+          </p:nvPr>
+        </p:nvSpPr>
+        <p:spPr/>
+        <p:txBody>
+          <a:bodyPr/>
+          <a:lstStyle/>
+          <a:p>
+            <a:r>
+              <a:rPr lang="en-US" dirty="0"/>
+              <a:t>Search text into folders and directories</a:t>
+            </a:r>
+          </a:p>
+          <a:p>
+            <a:pPr lvl="1"/>
+            <a:r>
+              <a:rPr lang="en-US" dirty="0"/>
+              <a:t>Find –type f –exec grep –</a:t>
+            </a:r>
+            <a:r>
+              <a:rPr lang="en-US" dirty="0" err="1"/>
+              <a:t>lr</a:t>
+            </a:r>
+            <a:r>
+              <a:rPr lang="en-US" dirty="0"/>
+              <a:t> “text” {} \;</a:t>
+            </a:r>
+          </a:p>
+          <a:p>
+            <a:r>
+              <a:rPr lang="en-US" dirty="0"/>
+              <a:t>Search file name</a:t>
+            </a:r>
+          </a:p>
+          <a:p>
+            <a:pPr lvl="1"/>
+            <a:r>
+              <a:rPr lang="en-US" dirty="0"/>
+              <a:t>Find . –name &lt;name&gt;</a:t>
+            </a:r>
+          </a:p>
+        </p:txBody>
+      </p:sp>
+    </p:spTree>
+    <p:extLst>
+      <p:ext uri="{BB962C8B-B14F-4D97-AF65-F5344CB8AC3E}">
+        <p14:creationId xmlns:p14="http://schemas.microsoft.com/office/powerpoint/2010/main" val="1019941302"/>
+      </p:ext>
+    </p:extLst>
   </p:cSld>
   <p:clrMapOvr>
     <a:masterClrMapping/>
